--- a/doc/Java vs JS.pptx
+++ b/doc/Java vs JS.pptx
@@ -5,12 +5,10 @@
     <p:sldMasterId id="2147483648" r:id="rId1"/>
   </p:sldMasterIdLst>
   <p:notesMasterIdLst>
-    <p:notesMasterId r:id="rId5"/>
+    <p:notesMasterId r:id="rId3"/>
   </p:notesMasterIdLst>
   <p:sldIdLst>
     <p:sldId id="256" r:id="rId2"/>
-    <p:sldId id="258" r:id="rId3"/>
-    <p:sldId id="259" r:id="rId4"/>
   </p:sldIdLst>
   <p:sldSz cx="9144000" cy="6858000" type="screen4x3"/>
   <p:notesSz cx="6858000" cy="9144000"/>
@@ -194,7 +192,7 @@
           <a:p>
             <a:fld id="{B86859C3-2692-784F-AC34-40A9E7B69405}" type="datetimeFigureOut">
               <a:rPr kumimoji="1" lang="zh-CN" altLang="en-US" smtClean="0"/>
-              <a:t>17/2/20</a:t>
+              <a:t>17/3/2</a:t>
             </a:fld>
             <a:endParaRPr kumimoji="1" lang="zh-CN" altLang="en-US"/>
           </a:p>
@@ -643,7 +641,7 @@
           <a:p>
             <a:fld id="{D7B12BEA-236C-5749-AF49-060B228B08C5}" type="datetimeFigureOut">
               <a:rPr kumimoji="1" lang="zh-CN" altLang="en-US" smtClean="0"/>
-              <a:t>17/2/20</a:t>
+              <a:t>17/3/2</a:t>
             </a:fld>
             <a:endParaRPr kumimoji="1" lang="zh-CN" altLang="en-US"/>
           </a:p>
@@ -813,7 +811,7 @@
           <a:p>
             <a:fld id="{D7B12BEA-236C-5749-AF49-060B228B08C5}" type="datetimeFigureOut">
               <a:rPr kumimoji="1" lang="zh-CN" altLang="en-US" smtClean="0"/>
-              <a:t>17/2/20</a:t>
+              <a:t>17/3/2</a:t>
             </a:fld>
             <a:endParaRPr kumimoji="1" lang="zh-CN" altLang="en-US"/>
           </a:p>
@@ -993,7 +991,7 @@
           <a:p>
             <a:fld id="{D7B12BEA-236C-5749-AF49-060B228B08C5}" type="datetimeFigureOut">
               <a:rPr kumimoji="1" lang="zh-CN" altLang="en-US" smtClean="0"/>
-              <a:t>17/2/20</a:t>
+              <a:t>17/3/2</a:t>
             </a:fld>
             <a:endParaRPr kumimoji="1" lang="zh-CN" altLang="en-US"/>
           </a:p>
@@ -1163,7 +1161,7 @@
           <a:p>
             <a:fld id="{D7B12BEA-236C-5749-AF49-060B228B08C5}" type="datetimeFigureOut">
               <a:rPr kumimoji="1" lang="zh-CN" altLang="en-US" smtClean="0"/>
-              <a:t>17/2/20</a:t>
+              <a:t>17/3/2</a:t>
             </a:fld>
             <a:endParaRPr kumimoji="1" lang="zh-CN" altLang="en-US"/>
           </a:p>
@@ -1409,7 +1407,7 @@
           <a:p>
             <a:fld id="{D7B12BEA-236C-5749-AF49-060B228B08C5}" type="datetimeFigureOut">
               <a:rPr kumimoji="1" lang="zh-CN" altLang="en-US" smtClean="0"/>
-              <a:t>17/2/20</a:t>
+              <a:t>17/3/2</a:t>
             </a:fld>
             <a:endParaRPr kumimoji="1" lang="zh-CN" altLang="en-US"/>
           </a:p>
@@ -1697,7 +1695,7 @@
           <a:p>
             <a:fld id="{D7B12BEA-236C-5749-AF49-060B228B08C5}" type="datetimeFigureOut">
               <a:rPr kumimoji="1" lang="zh-CN" altLang="en-US" smtClean="0"/>
-              <a:t>17/2/20</a:t>
+              <a:t>17/3/2</a:t>
             </a:fld>
             <a:endParaRPr kumimoji="1" lang="zh-CN" altLang="en-US"/>
           </a:p>
@@ -2119,7 +2117,7 @@
           <a:p>
             <a:fld id="{D7B12BEA-236C-5749-AF49-060B228B08C5}" type="datetimeFigureOut">
               <a:rPr kumimoji="1" lang="zh-CN" altLang="en-US" smtClean="0"/>
-              <a:t>17/2/20</a:t>
+              <a:t>17/3/2</a:t>
             </a:fld>
             <a:endParaRPr kumimoji="1" lang="zh-CN" altLang="en-US"/>
           </a:p>
@@ -2237,7 +2235,7 @@
           <a:p>
             <a:fld id="{D7B12BEA-236C-5749-AF49-060B228B08C5}" type="datetimeFigureOut">
               <a:rPr kumimoji="1" lang="zh-CN" altLang="en-US" smtClean="0"/>
-              <a:t>17/2/20</a:t>
+              <a:t>17/3/2</a:t>
             </a:fld>
             <a:endParaRPr kumimoji="1" lang="zh-CN" altLang="en-US"/>
           </a:p>
@@ -2332,7 +2330,7 @@
           <a:p>
             <a:fld id="{D7B12BEA-236C-5749-AF49-060B228B08C5}" type="datetimeFigureOut">
               <a:rPr kumimoji="1" lang="zh-CN" altLang="en-US" smtClean="0"/>
-              <a:t>17/2/20</a:t>
+              <a:t>17/3/2</a:t>
             </a:fld>
             <a:endParaRPr kumimoji="1" lang="zh-CN" altLang="en-US"/>
           </a:p>
@@ -2609,7 +2607,7 @@
           <a:p>
             <a:fld id="{D7B12BEA-236C-5749-AF49-060B228B08C5}" type="datetimeFigureOut">
               <a:rPr kumimoji="1" lang="zh-CN" altLang="en-US" smtClean="0"/>
-              <a:t>17/2/20</a:t>
+              <a:t>17/3/2</a:t>
             </a:fld>
             <a:endParaRPr kumimoji="1" lang="zh-CN" altLang="en-US"/>
           </a:p>
@@ -2862,7 +2860,7 @@
           <a:p>
             <a:fld id="{D7B12BEA-236C-5749-AF49-060B228B08C5}" type="datetimeFigureOut">
               <a:rPr kumimoji="1" lang="zh-CN" altLang="en-US" smtClean="0"/>
-              <a:t>17/2/20</a:t>
+              <a:t>17/3/2</a:t>
             </a:fld>
             <a:endParaRPr kumimoji="1" lang="zh-CN" altLang="en-US"/>
           </a:p>
@@ -3075,7 +3073,7 @@
           <a:p>
             <a:fld id="{D7B12BEA-236C-5749-AF49-060B228B08C5}" type="datetimeFigureOut">
               <a:rPr kumimoji="1" lang="zh-CN" altLang="en-US" smtClean="0"/>
-              <a:t>17/2/20</a:t>
+              <a:t>17/3/2</a:t>
             </a:fld>
             <a:endParaRPr kumimoji="1" lang="zh-CN" altLang="en-US"/>
           </a:p>
@@ -3498,280 +3496,6 @@
       </p:par>
     </p:tnLst>
   </p:timing>
-</p:sld>
-</file>
-
-<file path=ppt/slides/slide2.xml><?xml version="1.0" encoding="utf-8"?>
-<p:sld xmlns:a="http://schemas.openxmlformats.org/drawingml/2006/main" xmlns:r="http://schemas.openxmlformats.org/officeDocument/2006/relationships" xmlns:p="http://schemas.openxmlformats.org/presentationml/2006/main">
-  <p:cSld>
-    <p:spTree>
-      <p:nvGrpSpPr>
-        <p:cNvPr id="1" name=""/>
-        <p:cNvGrpSpPr/>
-        <p:nvPr/>
-      </p:nvGrpSpPr>
-      <p:grpSpPr>
-        <a:xfrm>
-          <a:off x="0" y="0"/>
-          <a:ext cx="0" cy="0"/>
-          <a:chOff x="0" y="0"/>
-          <a:chExt cx="0" cy="0"/>
-        </a:xfrm>
-      </p:grpSpPr>
-      <p:sp>
-        <p:nvSpPr>
-          <p:cNvPr id="2" name="标题 1"/>
-          <p:cNvSpPr>
-            <a:spLocks noGrp="1"/>
-          </p:cNvSpPr>
-          <p:nvPr>
-            <p:ph type="title"/>
-          </p:nvPr>
-        </p:nvSpPr>
-        <p:spPr/>
-        <p:txBody>
-          <a:bodyPr/>
-          <a:lstStyle/>
-          <a:p>
-            <a:r>
-              <a:rPr kumimoji="1" lang="zh-CN" altLang="en-US" dirty="0" smtClean="0"/>
-              <a:t>什么是资源</a:t>
-            </a:r>
-            <a:endParaRPr kumimoji="1" lang="zh-CN" altLang="en-US" dirty="0"/>
-          </a:p>
-        </p:txBody>
-      </p:sp>
-      <p:sp>
-        <p:nvSpPr>
-          <p:cNvPr id="3" name="内容占位符 2"/>
-          <p:cNvSpPr>
-            <a:spLocks noGrp="1"/>
-          </p:cNvSpPr>
-          <p:nvPr>
-            <p:ph idx="1"/>
-          </p:nvPr>
-        </p:nvSpPr>
-        <p:spPr/>
-        <p:txBody>
-          <a:bodyPr>
-            <a:normAutofit/>
-          </a:bodyPr>
-          <a:lstStyle/>
-          <a:p>
-            <a:r>
-              <a:rPr lang="en-US" altLang="zh-TW" sz="2400" dirty="0" err="1"/>
-              <a:t>js</a:t>
-            </a:r>
-            <a:r>
-              <a:rPr lang="zh-TW" altLang="en-US" sz="2400" dirty="0"/>
-              <a:t>、</a:t>
-            </a:r>
-            <a:r>
-              <a:rPr lang="en-US" altLang="zh-TW" sz="2400" dirty="0"/>
-              <a:t>java</a:t>
-            </a:r>
-            <a:r>
-              <a:rPr lang="zh-TW" altLang="en-US" sz="2400" dirty="0"/>
-              <a:t>对比教学</a:t>
-            </a:r>
-          </a:p>
-          <a:p>
-            <a:r>
-              <a:rPr lang="nl-NL" altLang="zh-CN" sz="2400" dirty="0" err="1"/>
-              <a:t>js</a:t>
-            </a:r>
-            <a:r>
-              <a:rPr lang="zh-CN" altLang="nl-NL" sz="2400" dirty="0"/>
-              <a:t>的</a:t>
-            </a:r>
-            <a:r>
-              <a:rPr lang="nl-NL" altLang="zh-CN" sz="2400" dirty="0"/>
-              <a:t>prototype </a:t>
-            </a:r>
-            <a:r>
-              <a:rPr lang="nl-NL" altLang="zh-CN" sz="2400" dirty="0" err="1"/>
-              <a:t>vs</a:t>
-            </a:r>
-            <a:r>
-              <a:rPr lang="nl-NL" altLang="zh-CN" sz="2400" dirty="0"/>
-              <a:t> </a:t>
-            </a:r>
-            <a:r>
-              <a:rPr lang="nl-NL" altLang="zh-CN" sz="2400" dirty="0" err="1"/>
-              <a:t>java</a:t>
-            </a:r>
-            <a:r>
-              <a:rPr lang="nl-NL" altLang="zh-CN" sz="2400" dirty="0"/>
-              <a:t> </a:t>
-            </a:r>
-            <a:r>
-              <a:rPr lang="nl-NL" altLang="zh-CN" sz="2400" dirty="0" err="1"/>
-              <a:t>oop</a:t>
-            </a:r>
-            <a:endParaRPr lang="nl-NL" altLang="zh-CN" sz="2400" dirty="0"/>
-          </a:p>
-          <a:p>
-            <a:r>
-              <a:rPr lang="en-US" altLang="zh-CN" sz="2400" dirty="0" err="1"/>
-              <a:t>json</a:t>
-            </a:r>
-            <a:r>
-              <a:rPr lang="zh-CN" altLang="en-US" sz="2400" dirty="0"/>
-              <a:t>、</a:t>
-            </a:r>
-            <a:r>
-              <a:rPr lang="en-US" altLang="zh-CN" sz="2400" dirty="0" err="1"/>
-              <a:t>js</a:t>
-            </a:r>
-            <a:r>
-              <a:rPr lang="zh-CN" altLang="en-US" sz="2400" dirty="0"/>
-              <a:t>数组</a:t>
-            </a:r>
-            <a:r>
-              <a:rPr lang="en-US" altLang="zh-CN" sz="2400" dirty="0"/>
-              <a:t>&amp;</a:t>
-            </a:r>
-            <a:r>
-              <a:rPr lang="zh-CN" altLang="en-US" sz="2400" dirty="0"/>
-              <a:t>对象、</a:t>
-            </a:r>
-            <a:r>
-              <a:rPr lang="en-US" altLang="zh-CN" sz="2400" dirty="0"/>
-              <a:t>java </a:t>
-            </a:r>
-            <a:r>
-              <a:rPr lang="en-US" altLang="zh-CN" sz="2400" dirty="0" err="1"/>
-              <a:t>Map&amp;List</a:t>
-            </a:r>
-            <a:r>
-              <a:rPr lang="en-US" altLang="zh-CN" sz="2400" dirty="0"/>
-              <a:t>, </a:t>
-            </a:r>
-            <a:r>
-              <a:rPr lang="zh-CN" altLang="en-US" sz="2400" dirty="0"/>
-              <a:t>相互之间转换 （相比</a:t>
-            </a:r>
-            <a:r>
-              <a:rPr lang="en-US" altLang="zh-CN" sz="2400" dirty="0"/>
-              <a:t>XML</a:t>
-            </a:r>
-            <a:r>
-              <a:rPr lang="zh-CN" altLang="en-US" sz="2400" dirty="0"/>
-              <a:t>，优缺点有哪些）</a:t>
-            </a:r>
-            <a:endParaRPr kumimoji="1" lang="zh-CN" altLang="en-US" sz="2400" dirty="0"/>
-          </a:p>
-        </p:txBody>
-      </p:sp>
-    </p:spTree>
-    <p:extLst>
-      <p:ext uri="{BB962C8B-B14F-4D97-AF65-F5344CB8AC3E}">
-        <p14:creationId xmlns:p14="http://schemas.microsoft.com/office/powerpoint/2010/main" val="264709471"/>
-      </p:ext>
-    </p:extLst>
-  </p:cSld>
-  <p:clrMapOvr>
-    <a:masterClrMapping/>
-  </p:clrMapOvr>
-  <p:timing>
-    <p:tnLst>
-      <p:par>
-        <p:cTn xmlns:p14="http://schemas.microsoft.com/office/powerpoint/2010/main" id="1" dur="indefinite" restart="never" nodeType="tmRoot"/>
-      </p:par>
-    </p:tnLst>
-  </p:timing>
-</p:sld>
-</file>
-
-<file path=ppt/slides/slide3.xml><?xml version="1.0" encoding="utf-8"?>
-<p:sld xmlns:a="http://schemas.openxmlformats.org/drawingml/2006/main" xmlns:r="http://schemas.openxmlformats.org/officeDocument/2006/relationships" xmlns:p="http://schemas.openxmlformats.org/presentationml/2006/main">
-  <p:cSld>
-    <p:spTree>
-      <p:nvGrpSpPr>
-        <p:cNvPr id="1" name=""/>
-        <p:cNvGrpSpPr/>
-        <p:nvPr/>
-      </p:nvGrpSpPr>
-      <p:grpSpPr>
-        <a:xfrm>
-          <a:off x="0" y="0"/>
-          <a:ext cx="0" cy="0"/>
-          <a:chOff x="0" y="0"/>
-          <a:chExt cx="0" cy="0"/>
-        </a:xfrm>
-      </p:grpSpPr>
-      <p:sp>
-        <p:nvSpPr>
-          <p:cNvPr id="2" name="标题 1"/>
-          <p:cNvSpPr>
-            <a:spLocks noGrp="1"/>
-          </p:cNvSpPr>
-          <p:nvPr>
-            <p:ph type="title"/>
-          </p:nvPr>
-        </p:nvSpPr>
-        <p:spPr/>
-        <p:txBody>
-          <a:bodyPr/>
-          <a:lstStyle/>
-          <a:p>
-            <a:r>
-              <a:rPr lang="pl-PL" altLang="zh-CN" dirty="0"/>
-              <a:t>BS</a:t>
-            </a:r>
-            <a:r>
-              <a:rPr lang="zh-CN" altLang="pl-PL" dirty="0"/>
-              <a:t>之 </a:t>
-            </a:r>
-            <a:r>
-              <a:rPr lang="pl-PL" altLang="zh-CN" dirty="0" err="1"/>
-              <a:t>cookie</a:t>
-            </a:r>
-            <a:r>
-              <a:rPr lang="pl-PL" altLang="zh-CN" dirty="0"/>
-              <a:t> </a:t>
-            </a:r>
-            <a:r>
-              <a:rPr lang="zh-CN" altLang="pl-PL" dirty="0"/>
-              <a:t>与 </a:t>
-            </a:r>
-            <a:r>
-              <a:rPr lang="pl-PL" altLang="zh-CN" dirty="0" err="1"/>
-              <a:t>session</a:t>
-            </a:r>
-            <a:endParaRPr kumimoji="1" lang="zh-CN" altLang="en-US" dirty="0"/>
-          </a:p>
-        </p:txBody>
-      </p:sp>
-      <p:sp>
-        <p:nvSpPr>
-          <p:cNvPr id="3" name="内容占位符 2"/>
-          <p:cNvSpPr>
-            <a:spLocks noGrp="1"/>
-          </p:cNvSpPr>
-          <p:nvPr>
-            <p:ph idx="1"/>
-          </p:nvPr>
-        </p:nvSpPr>
-        <p:spPr/>
-        <p:txBody>
-          <a:bodyPr/>
-          <a:lstStyle/>
-          <a:p>
-            <a:endParaRPr kumimoji="1" lang="zh-CN" altLang="en-US" dirty="0"/>
-          </a:p>
-        </p:txBody>
-      </p:sp>
-    </p:spTree>
-    <p:extLst>
-      <p:ext uri="{BB962C8B-B14F-4D97-AF65-F5344CB8AC3E}">
-        <p14:creationId xmlns:p14="http://schemas.microsoft.com/office/powerpoint/2010/main" val="366803774"/>
-      </p:ext>
-    </p:extLst>
-  </p:cSld>
-  <p:clrMapOvr>
-    <a:masterClrMapping/>
-  </p:clrMapOvr>
 </p:sld>
 </file>
 

--- a/doc/Java vs JS.pptx
+++ b/doc/Java vs JS.pptx
@@ -5,10 +5,17 @@
     <p:sldMasterId id="2147483648" r:id="rId1"/>
   </p:sldMasterIdLst>
   <p:notesMasterIdLst>
-    <p:notesMasterId r:id="rId3"/>
+    <p:notesMasterId r:id="rId10"/>
   </p:notesMasterIdLst>
   <p:sldIdLst>
     <p:sldId id="256" r:id="rId2"/>
+    <p:sldId id="261" r:id="rId3"/>
+    <p:sldId id="257" r:id="rId4"/>
+    <p:sldId id="258" r:id="rId5"/>
+    <p:sldId id="259" r:id="rId6"/>
+    <p:sldId id="260" r:id="rId7"/>
+    <p:sldId id="262" r:id="rId8"/>
+    <p:sldId id="263" r:id="rId9"/>
   </p:sldIdLst>
   <p:sldSz cx="9144000" cy="6858000" type="screen4x3"/>
   <p:notesSz cx="6858000" cy="9144000"/>
@@ -192,7 +199,7 @@
           <a:p>
             <a:fld id="{B86859C3-2692-784F-AC34-40A9E7B69405}" type="datetimeFigureOut">
               <a:rPr kumimoji="1" lang="zh-CN" altLang="en-US" smtClean="0"/>
-              <a:t>17/3/2</a:t>
+              <a:t>17/3/9</a:t>
             </a:fld>
             <a:endParaRPr kumimoji="1" lang="zh-CN" altLang="en-US"/>
           </a:p>
@@ -460,6 +467,185 @@
 </p:notesMaster>
 </file>
 
+<file path=ppt/notesSlides/notesSlide1.xml><?xml version="1.0" encoding="utf-8"?>
+<p:notes xmlns:a="http://schemas.openxmlformats.org/drawingml/2006/main" xmlns:r="http://schemas.openxmlformats.org/officeDocument/2006/relationships" xmlns:p="http://schemas.openxmlformats.org/presentationml/2006/main">
+  <p:cSld>
+    <p:spTree>
+      <p:nvGrpSpPr>
+        <p:cNvPr id="1" name=""/>
+        <p:cNvGrpSpPr/>
+        <p:nvPr/>
+      </p:nvGrpSpPr>
+      <p:grpSpPr>
+        <a:xfrm>
+          <a:off x="0" y="0"/>
+          <a:ext cx="0" cy="0"/>
+          <a:chOff x="0" y="0"/>
+          <a:chExt cx="0" cy="0"/>
+        </a:xfrm>
+      </p:grpSpPr>
+      <p:sp>
+        <p:nvSpPr>
+          <p:cNvPr id="2" name="幻灯片图像占位符 1"/>
+          <p:cNvSpPr>
+            <a:spLocks noGrp="1" noRot="1" noChangeAspect="1"/>
+          </p:cNvSpPr>
+          <p:nvPr>
+            <p:ph type="sldImg"/>
+          </p:nvPr>
+        </p:nvSpPr>
+        <p:spPr/>
+      </p:sp>
+      <p:sp>
+        <p:nvSpPr>
+          <p:cNvPr id="3" name="备注占位符 2"/>
+          <p:cNvSpPr>
+            <a:spLocks noGrp="1"/>
+          </p:cNvSpPr>
+          <p:nvPr>
+            <p:ph type="body" idx="1"/>
+          </p:nvPr>
+        </p:nvSpPr>
+        <p:spPr/>
+        <p:txBody>
+          <a:bodyPr/>
+          <a:lstStyle/>
+          <a:p>
+            <a:r>
+              <a:rPr kumimoji="1" lang="zh-CN" altLang="en-US" dirty="0" smtClean="0"/>
+              <a:t>比较运算符</a:t>
+            </a:r>
+            <a:endParaRPr kumimoji="1" lang="en-US" altLang="zh-CN" dirty="0" smtClean="0"/>
+          </a:p>
+          <a:p>
+            <a:r>
+              <a:rPr kumimoji="1" lang="zh-CN" altLang="en-US" dirty="0" smtClean="0"/>
+              <a:t>逻辑运算符</a:t>
+            </a:r>
+            <a:endParaRPr kumimoji="1" lang="zh-CN" altLang="en-US" dirty="0"/>
+          </a:p>
+        </p:txBody>
+      </p:sp>
+      <p:sp>
+        <p:nvSpPr>
+          <p:cNvPr id="4" name="幻灯片编号占位符 3"/>
+          <p:cNvSpPr>
+            <a:spLocks noGrp="1"/>
+          </p:cNvSpPr>
+          <p:nvPr>
+            <p:ph type="sldNum" sz="quarter" idx="10"/>
+          </p:nvPr>
+        </p:nvSpPr>
+        <p:spPr/>
+        <p:txBody>
+          <a:bodyPr/>
+          <a:lstStyle/>
+          <a:p>
+            <a:fld id="{30E5BD0C-2667-BA41-90C5-58CB9DE5FD83}" type="slidenum">
+              <a:rPr kumimoji="1" lang="zh-CN" altLang="en-US" smtClean="0"/>
+              <a:t>3</a:t>
+            </a:fld>
+            <a:endParaRPr kumimoji="1" lang="zh-CN" altLang="en-US"/>
+          </a:p>
+        </p:txBody>
+      </p:sp>
+    </p:spTree>
+    <p:extLst>
+      <p:ext uri="{BB962C8B-B14F-4D97-AF65-F5344CB8AC3E}">
+        <p14:creationId xmlns:p14="http://schemas.microsoft.com/office/powerpoint/2010/main" val="265938563"/>
+      </p:ext>
+    </p:extLst>
+  </p:cSld>
+  <p:clrMapOvr>
+    <a:masterClrMapping/>
+  </p:clrMapOvr>
+</p:notes>
+</file>
+
+<file path=ppt/notesSlides/notesSlide2.xml><?xml version="1.0" encoding="utf-8"?>
+<p:notes xmlns:a="http://schemas.openxmlformats.org/drawingml/2006/main" xmlns:r="http://schemas.openxmlformats.org/officeDocument/2006/relationships" xmlns:p="http://schemas.openxmlformats.org/presentationml/2006/main">
+  <p:cSld>
+    <p:spTree>
+      <p:nvGrpSpPr>
+        <p:cNvPr id="1" name=""/>
+        <p:cNvGrpSpPr/>
+        <p:nvPr/>
+      </p:nvGrpSpPr>
+      <p:grpSpPr>
+        <a:xfrm>
+          <a:off x="0" y="0"/>
+          <a:ext cx="0" cy="0"/>
+          <a:chOff x="0" y="0"/>
+          <a:chExt cx="0" cy="0"/>
+        </a:xfrm>
+      </p:grpSpPr>
+      <p:sp>
+        <p:nvSpPr>
+          <p:cNvPr id="2" name="幻灯片图像占位符 1"/>
+          <p:cNvSpPr>
+            <a:spLocks noGrp="1" noRot="1" noChangeAspect="1"/>
+          </p:cNvSpPr>
+          <p:nvPr>
+            <p:ph type="sldImg"/>
+          </p:nvPr>
+        </p:nvSpPr>
+        <p:spPr/>
+      </p:sp>
+      <p:sp>
+        <p:nvSpPr>
+          <p:cNvPr id="3" name="备注占位符 2"/>
+          <p:cNvSpPr>
+            <a:spLocks noGrp="1"/>
+          </p:cNvSpPr>
+          <p:nvPr>
+            <p:ph type="body" idx="1"/>
+          </p:nvPr>
+        </p:nvSpPr>
+        <p:spPr/>
+        <p:txBody>
+          <a:bodyPr/>
+          <a:lstStyle/>
+          <a:p>
+            <a:endParaRPr kumimoji="1" lang="zh-CN" altLang="en-US" dirty="0"/>
+          </a:p>
+        </p:txBody>
+      </p:sp>
+      <p:sp>
+        <p:nvSpPr>
+          <p:cNvPr id="4" name="幻灯片编号占位符 3"/>
+          <p:cNvSpPr>
+            <a:spLocks noGrp="1"/>
+          </p:cNvSpPr>
+          <p:nvPr>
+            <p:ph type="sldNum" sz="quarter" idx="10"/>
+          </p:nvPr>
+        </p:nvSpPr>
+        <p:spPr/>
+        <p:txBody>
+          <a:bodyPr/>
+          <a:lstStyle/>
+          <a:p>
+            <a:fld id="{30E5BD0C-2667-BA41-90C5-58CB9DE5FD83}" type="slidenum">
+              <a:rPr kumimoji="1" lang="zh-CN" altLang="en-US" smtClean="0"/>
+              <a:t>5</a:t>
+            </a:fld>
+            <a:endParaRPr kumimoji="1" lang="zh-CN" altLang="en-US"/>
+          </a:p>
+        </p:txBody>
+      </p:sp>
+    </p:spTree>
+    <p:extLst>
+      <p:ext uri="{BB962C8B-B14F-4D97-AF65-F5344CB8AC3E}">
+        <p14:creationId xmlns:p14="http://schemas.microsoft.com/office/powerpoint/2010/main" val="201854592"/>
+      </p:ext>
+    </p:extLst>
+  </p:cSld>
+  <p:clrMapOvr>
+    <a:masterClrMapping/>
+  </p:clrMapOvr>
+</p:notes>
+</file>
+
 <file path=ppt/slideLayouts/slideLayout1.xml><?xml version="1.0" encoding="utf-8"?>
 <p:sldLayout xmlns:a="http://schemas.openxmlformats.org/drawingml/2006/main" xmlns:r="http://schemas.openxmlformats.org/officeDocument/2006/relationships" xmlns:p="http://schemas.openxmlformats.org/presentationml/2006/main" type="title" preserve="1">
   <p:cSld name="标题幻灯片">
@@ -641,7 +827,7 @@
           <a:p>
             <a:fld id="{D7B12BEA-236C-5749-AF49-060B228B08C5}" type="datetimeFigureOut">
               <a:rPr kumimoji="1" lang="zh-CN" altLang="en-US" smtClean="0"/>
-              <a:t>17/3/2</a:t>
+              <a:t>17/3/9</a:t>
             </a:fld>
             <a:endParaRPr kumimoji="1" lang="zh-CN" altLang="en-US"/>
           </a:p>
@@ -811,7 +997,7 @@
           <a:p>
             <a:fld id="{D7B12BEA-236C-5749-AF49-060B228B08C5}" type="datetimeFigureOut">
               <a:rPr kumimoji="1" lang="zh-CN" altLang="en-US" smtClean="0"/>
-              <a:t>17/3/2</a:t>
+              <a:t>17/3/9</a:t>
             </a:fld>
             <a:endParaRPr kumimoji="1" lang="zh-CN" altLang="en-US"/>
           </a:p>
@@ -991,7 +1177,7 @@
           <a:p>
             <a:fld id="{D7B12BEA-236C-5749-AF49-060B228B08C5}" type="datetimeFigureOut">
               <a:rPr kumimoji="1" lang="zh-CN" altLang="en-US" smtClean="0"/>
-              <a:t>17/3/2</a:t>
+              <a:t>17/3/9</a:t>
             </a:fld>
             <a:endParaRPr kumimoji="1" lang="zh-CN" altLang="en-US"/>
           </a:p>
@@ -1161,7 +1347,7 @@
           <a:p>
             <a:fld id="{D7B12BEA-236C-5749-AF49-060B228B08C5}" type="datetimeFigureOut">
               <a:rPr kumimoji="1" lang="zh-CN" altLang="en-US" smtClean="0"/>
-              <a:t>17/3/2</a:t>
+              <a:t>17/3/9</a:t>
             </a:fld>
             <a:endParaRPr kumimoji="1" lang="zh-CN" altLang="en-US"/>
           </a:p>
@@ -1407,7 +1593,7 @@
           <a:p>
             <a:fld id="{D7B12BEA-236C-5749-AF49-060B228B08C5}" type="datetimeFigureOut">
               <a:rPr kumimoji="1" lang="zh-CN" altLang="en-US" smtClean="0"/>
-              <a:t>17/3/2</a:t>
+              <a:t>17/3/9</a:t>
             </a:fld>
             <a:endParaRPr kumimoji="1" lang="zh-CN" altLang="en-US"/>
           </a:p>
@@ -1695,7 +1881,7 @@
           <a:p>
             <a:fld id="{D7B12BEA-236C-5749-AF49-060B228B08C5}" type="datetimeFigureOut">
               <a:rPr kumimoji="1" lang="zh-CN" altLang="en-US" smtClean="0"/>
-              <a:t>17/3/2</a:t>
+              <a:t>17/3/9</a:t>
             </a:fld>
             <a:endParaRPr kumimoji="1" lang="zh-CN" altLang="en-US"/>
           </a:p>
@@ -2117,7 +2303,7 @@
           <a:p>
             <a:fld id="{D7B12BEA-236C-5749-AF49-060B228B08C5}" type="datetimeFigureOut">
               <a:rPr kumimoji="1" lang="zh-CN" altLang="en-US" smtClean="0"/>
-              <a:t>17/3/2</a:t>
+              <a:t>17/3/9</a:t>
             </a:fld>
             <a:endParaRPr kumimoji="1" lang="zh-CN" altLang="en-US"/>
           </a:p>
@@ -2235,7 +2421,7 @@
           <a:p>
             <a:fld id="{D7B12BEA-236C-5749-AF49-060B228B08C5}" type="datetimeFigureOut">
               <a:rPr kumimoji="1" lang="zh-CN" altLang="en-US" smtClean="0"/>
-              <a:t>17/3/2</a:t>
+              <a:t>17/3/9</a:t>
             </a:fld>
             <a:endParaRPr kumimoji="1" lang="zh-CN" altLang="en-US"/>
           </a:p>
@@ -2330,7 +2516,7 @@
           <a:p>
             <a:fld id="{D7B12BEA-236C-5749-AF49-060B228B08C5}" type="datetimeFigureOut">
               <a:rPr kumimoji="1" lang="zh-CN" altLang="en-US" smtClean="0"/>
-              <a:t>17/3/2</a:t>
+              <a:t>17/3/9</a:t>
             </a:fld>
             <a:endParaRPr kumimoji="1" lang="zh-CN" altLang="en-US"/>
           </a:p>
@@ -2607,7 +2793,7 @@
           <a:p>
             <a:fld id="{D7B12BEA-236C-5749-AF49-060B228B08C5}" type="datetimeFigureOut">
               <a:rPr kumimoji="1" lang="zh-CN" altLang="en-US" smtClean="0"/>
-              <a:t>17/3/2</a:t>
+              <a:t>17/3/9</a:t>
             </a:fld>
             <a:endParaRPr kumimoji="1" lang="zh-CN" altLang="en-US"/>
           </a:p>
@@ -2860,7 +3046,7 @@
           <a:p>
             <a:fld id="{D7B12BEA-236C-5749-AF49-060B228B08C5}" type="datetimeFigureOut">
               <a:rPr kumimoji="1" lang="zh-CN" altLang="en-US" smtClean="0"/>
-              <a:t>17/3/2</a:t>
+              <a:t>17/3/9</a:t>
             </a:fld>
             <a:endParaRPr kumimoji="1" lang="zh-CN" altLang="en-US"/>
           </a:p>
@@ -3073,7 +3259,7 @@
           <a:p>
             <a:fld id="{D7B12BEA-236C-5749-AF49-060B228B08C5}" type="datetimeFigureOut">
               <a:rPr kumimoji="1" lang="zh-CN" altLang="en-US" smtClean="0"/>
-              <a:t>17/3/2</a:t>
+              <a:t>17/3/9</a:t>
             </a:fld>
             <a:endParaRPr kumimoji="1" lang="zh-CN" altLang="en-US"/>
           </a:p>
@@ -3464,16 +3650,20 @@
           <a:lstStyle/>
           <a:p>
             <a:r>
+              <a:rPr lang="en-US" altLang="zh-CN" dirty="0" smtClean="0"/>
+              <a:t>Java </a:t>
+            </a:r>
+            <a:r>
+              <a:rPr lang="en-US" altLang="zh-CN" dirty="0" err="1" smtClean="0"/>
+              <a:t>vs</a:t>
+            </a:r>
+            <a:r>
+              <a:rPr lang="en-US" altLang="zh-CN" dirty="0" smtClean="0"/>
+              <a:t> JS </a:t>
+            </a:r>
+            <a:r>
               <a:rPr lang="zh-CN" altLang="en-US" dirty="0" smtClean="0"/>
-              <a:t>如何利用</a:t>
-            </a:r>
-            <a:r>
-              <a:rPr lang="en-US" altLang="zh-CN" dirty="0" err="1"/>
-              <a:t>Github</a:t>
-            </a:r>
-            <a:r>
-              <a:rPr lang="zh-CN" altLang="en-US" dirty="0" smtClean="0"/>
-              <a:t>学习、协作、开发</a:t>
+              <a:t>对比学习</a:t>
             </a:r>
             <a:endParaRPr kumimoji="1" lang="zh-CN" altLang="en-US" dirty="0"/>
           </a:p>
@@ -3496,6 +3686,2133 @@
       </p:par>
     </p:tnLst>
   </p:timing>
+</p:sld>
+</file>
+
+<file path=ppt/slides/slide2.xml><?xml version="1.0" encoding="utf-8"?>
+<p:sld xmlns:a="http://schemas.openxmlformats.org/drawingml/2006/main" xmlns:r="http://schemas.openxmlformats.org/officeDocument/2006/relationships" xmlns:p="http://schemas.openxmlformats.org/presentationml/2006/main">
+  <p:cSld>
+    <p:spTree>
+      <p:nvGrpSpPr>
+        <p:cNvPr id="1" name=""/>
+        <p:cNvGrpSpPr/>
+        <p:nvPr/>
+      </p:nvGrpSpPr>
+      <p:grpSpPr>
+        <a:xfrm>
+          <a:off x="0" y="0"/>
+          <a:ext cx="0" cy="0"/>
+          <a:chOff x="0" y="0"/>
+          <a:chExt cx="0" cy="0"/>
+        </a:xfrm>
+      </p:grpSpPr>
+      <p:sp>
+        <p:nvSpPr>
+          <p:cNvPr id="4" name="标题 3"/>
+          <p:cNvSpPr>
+            <a:spLocks noGrp="1"/>
+          </p:cNvSpPr>
+          <p:nvPr>
+            <p:ph type="title"/>
+          </p:nvPr>
+        </p:nvSpPr>
+        <p:spPr>
+          <a:xfrm>
+            <a:off x="457200" y="274638"/>
+            <a:ext cx="8229600" cy="664695"/>
+          </a:xfrm>
+        </p:spPr>
+        <p:txBody>
+          <a:bodyPr>
+            <a:normAutofit fontScale="90000"/>
+          </a:bodyPr>
+          <a:lstStyle/>
+          <a:p>
+            <a:r>
+              <a:rPr kumimoji="1" lang="en-US" altLang="zh-CN" dirty="0" smtClean="0"/>
+              <a:t>Java</a:t>
+            </a:r>
+            <a:r>
+              <a:rPr kumimoji="1" lang="zh-CN" altLang="en-US" dirty="0" smtClean="0"/>
+              <a:t> </a:t>
+            </a:r>
+            <a:r>
+              <a:rPr kumimoji="1" lang="en-US" altLang="zh-CN" dirty="0" smtClean="0"/>
+              <a:t>&amp;</a:t>
+            </a:r>
+            <a:r>
+              <a:rPr kumimoji="1" lang="zh-CN" altLang="en-US" dirty="0" smtClean="0"/>
+              <a:t> </a:t>
+            </a:r>
+            <a:r>
+              <a:rPr kumimoji="1" lang="en-US" altLang="zh-CN" dirty="0" smtClean="0"/>
+              <a:t>JS</a:t>
+            </a:r>
+            <a:endParaRPr kumimoji="1" lang="zh-CN" altLang="en-US" dirty="0"/>
+          </a:p>
+        </p:txBody>
+      </p:sp>
+      <p:sp>
+        <p:nvSpPr>
+          <p:cNvPr id="5" name="内容占位符 4"/>
+          <p:cNvSpPr>
+            <a:spLocks noGrp="1"/>
+          </p:cNvSpPr>
+          <p:nvPr>
+            <p:ph sz="half" idx="1"/>
+          </p:nvPr>
+        </p:nvSpPr>
+        <p:spPr>
+          <a:xfrm>
+            <a:off x="260946" y="1130680"/>
+            <a:ext cx="4234854" cy="5583812"/>
+          </a:xfrm>
+        </p:spPr>
+        <p:txBody>
+          <a:bodyPr/>
+          <a:lstStyle/>
+          <a:p>
+            <a:r>
+              <a:rPr kumimoji="1" lang="en-US" altLang="zh-CN" dirty="0"/>
+              <a:t>Java</a:t>
+            </a:r>
+            <a:r>
+              <a:rPr kumimoji="1" lang="zh-CN" altLang="en-US" dirty="0" smtClean="0"/>
+              <a:t>是面向对象语言</a:t>
+            </a:r>
+            <a:endParaRPr kumimoji="1" lang="en-US" altLang="zh-CN" dirty="0" smtClean="0"/>
+          </a:p>
+          <a:p>
+            <a:r>
+              <a:rPr kumimoji="1" lang="zh-CN" altLang="en-US" dirty="0" smtClean="0"/>
+              <a:t>重型、严谨</a:t>
+            </a:r>
+            <a:endParaRPr kumimoji="1" lang="en-US" altLang="zh-CN" dirty="0" smtClean="0"/>
+          </a:p>
+          <a:p>
+            <a:r>
+              <a:rPr kumimoji="1" lang="zh-CN" altLang="en-US" dirty="0" smtClean="0"/>
+              <a:t>编译型</a:t>
+            </a:r>
+            <a:endParaRPr kumimoji="1" lang="en-US" altLang="zh-CN" dirty="0" smtClean="0"/>
+          </a:p>
+          <a:p>
+            <a:r>
+              <a:rPr kumimoji="1" lang="zh-CN" altLang="en-US" dirty="0" smtClean="0"/>
+              <a:t>强类型</a:t>
+            </a:r>
+            <a:endParaRPr kumimoji="1" lang="en-US" altLang="zh-CN" dirty="0" smtClean="0"/>
+          </a:p>
+          <a:p>
+            <a:r>
+              <a:rPr kumimoji="1" lang="zh-CN" altLang="en-US" dirty="0" smtClean="0"/>
+              <a:t>运行在服务器端</a:t>
+            </a:r>
+            <a:endParaRPr kumimoji="1" lang="en-US" altLang="zh-CN" dirty="0" smtClean="0"/>
+          </a:p>
+          <a:p>
+            <a:r>
+              <a:rPr kumimoji="1" lang="en-US" altLang="zh-CN" dirty="0" smtClean="0"/>
+              <a:t>.java</a:t>
+            </a:r>
+            <a:r>
+              <a:rPr kumimoji="1" lang="zh-CN" altLang="en-US" dirty="0" smtClean="0"/>
+              <a:t>  </a:t>
+            </a:r>
+            <a:r>
+              <a:rPr kumimoji="1" lang="zh-CN" altLang="en-US" dirty="0" smtClean="0">
+                <a:sym typeface="Wingdings"/>
+              </a:rPr>
+              <a:t></a:t>
+            </a:r>
+            <a:r>
+              <a:rPr kumimoji="1" lang="en-US" altLang="zh-CN" dirty="0" smtClean="0"/>
+              <a:t>.class</a:t>
+            </a:r>
+            <a:r>
+              <a:rPr kumimoji="1" lang="zh-CN" altLang="en-US" dirty="0" smtClean="0"/>
+              <a:t> </a:t>
+            </a:r>
+            <a:r>
+              <a:rPr kumimoji="1" lang="zh-CN" altLang="en-US" dirty="0" smtClean="0">
+                <a:sym typeface="Wingdings"/>
+              </a:rPr>
+              <a:t></a:t>
+            </a:r>
+            <a:r>
+              <a:rPr kumimoji="1" lang="zh-CN" altLang="zh-CN" dirty="0" smtClean="0">
+                <a:sym typeface="Wingdings"/>
+              </a:rPr>
+              <a:t>.</a:t>
+            </a:r>
+            <a:r>
+              <a:rPr kumimoji="1" lang="en-US" altLang="zh-CN" dirty="0" smtClean="0">
+                <a:sym typeface="Wingdings"/>
+              </a:rPr>
+              <a:t>jar</a:t>
+            </a:r>
+            <a:endParaRPr kumimoji="1" lang="en-US" altLang="zh-CN" dirty="0" smtClean="0"/>
+          </a:p>
+          <a:p>
+            <a:r>
+              <a:rPr kumimoji="1" lang="en-US" altLang="zh-CN" dirty="0" smtClean="0"/>
+              <a:t>Eclipse</a:t>
+            </a:r>
+            <a:r>
+              <a:rPr kumimoji="1" lang="zh-CN" altLang="en-US" dirty="0"/>
+              <a:t> </a:t>
+            </a:r>
+            <a:r>
+              <a:rPr kumimoji="1" lang="en-US" altLang="zh-CN" dirty="0" smtClean="0"/>
+              <a:t>+</a:t>
+            </a:r>
+            <a:r>
+              <a:rPr kumimoji="1" lang="zh-CN" altLang="en-US" dirty="0" smtClean="0"/>
+              <a:t> </a:t>
+            </a:r>
+            <a:r>
+              <a:rPr kumimoji="1" lang="en-US" altLang="zh-CN" dirty="0" smtClean="0"/>
+              <a:t>Tomcat</a:t>
+            </a:r>
+            <a:r>
+              <a:rPr kumimoji="1" lang="zh-CN" altLang="en-US" dirty="0" smtClean="0"/>
+              <a:t>/</a:t>
+            </a:r>
+            <a:r>
+              <a:rPr kumimoji="1" lang="en-US" altLang="zh-CN" dirty="0" smtClean="0"/>
+              <a:t>Jetty</a:t>
+            </a:r>
+          </a:p>
+          <a:p>
+            <a:r>
+              <a:rPr kumimoji="1" lang="en-US" altLang="zh-CN" dirty="0" smtClean="0"/>
+              <a:t>Restful</a:t>
+            </a:r>
+            <a:r>
+              <a:rPr kumimoji="1" lang="zh-CN" altLang="en-US" dirty="0" smtClean="0"/>
+              <a:t> </a:t>
+            </a:r>
+            <a:r>
+              <a:rPr kumimoji="1" lang="en-US" altLang="zh-CN" dirty="0" smtClean="0"/>
+              <a:t>JSON</a:t>
+            </a:r>
+            <a:r>
+              <a:rPr kumimoji="1" lang="zh-CN" altLang="en-US" dirty="0" smtClean="0"/>
+              <a:t> </a:t>
+            </a:r>
+            <a:r>
+              <a:rPr kumimoji="1" lang="en-US" altLang="zh-CN" dirty="0" err="1" smtClean="0"/>
+              <a:t>WebService</a:t>
+            </a:r>
+            <a:endParaRPr kumimoji="1" lang="en-US" altLang="zh-CN" dirty="0" smtClean="0"/>
+          </a:p>
+          <a:p>
+            <a:r>
+              <a:rPr kumimoji="1" lang="en-US" altLang="zh-CN" dirty="0" smtClean="0"/>
+              <a:t>Spring</a:t>
+            </a:r>
+            <a:r>
+              <a:rPr kumimoji="1" lang="zh-CN" altLang="en-US" dirty="0" smtClean="0"/>
+              <a:t>、</a:t>
+            </a:r>
+            <a:r>
+              <a:rPr kumimoji="1" lang="en-US" altLang="zh-CN" dirty="0" smtClean="0"/>
+              <a:t>Hibernate</a:t>
+            </a:r>
+          </a:p>
+          <a:p>
+            <a:endParaRPr kumimoji="1" lang="zh-CN" altLang="en-US" dirty="0"/>
+          </a:p>
+        </p:txBody>
+      </p:sp>
+      <p:sp>
+        <p:nvSpPr>
+          <p:cNvPr id="6" name="内容占位符 5"/>
+          <p:cNvSpPr>
+            <a:spLocks noGrp="1"/>
+          </p:cNvSpPr>
+          <p:nvPr>
+            <p:ph sz="half" idx="2"/>
+          </p:nvPr>
+        </p:nvSpPr>
+        <p:spPr>
+          <a:xfrm>
+            <a:off x="4648199" y="1130680"/>
+            <a:ext cx="4223981" cy="5583811"/>
+          </a:xfrm>
+        </p:spPr>
+        <p:txBody>
+          <a:bodyPr/>
+          <a:lstStyle/>
+          <a:p>
+            <a:r>
+              <a:rPr kumimoji="1" lang="en-US" altLang="zh-CN" dirty="0"/>
+              <a:t>JavaScript</a:t>
+            </a:r>
+            <a:r>
+              <a:rPr kumimoji="1" lang="zh-CN" altLang="en-US" dirty="0"/>
+              <a:t>是种</a:t>
+            </a:r>
+            <a:r>
+              <a:rPr kumimoji="1" lang="zh-CN" altLang="en-US" dirty="0" smtClean="0"/>
+              <a:t>脚本语言</a:t>
+            </a:r>
+            <a:endParaRPr kumimoji="1" lang="en-US" altLang="zh-CN" dirty="0" smtClean="0"/>
+          </a:p>
+          <a:p>
+            <a:r>
+              <a:rPr kumimoji="1" lang="zh-CN" altLang="en-US" dirty="0" smtClean="0"/>
+              <a:t>轻量、简易化</a:t>
+            </a:r>
+            <a:endParaRPr kumimoji="1" lang="en-US" altLang="zh-CN" dirty="0" smtClean="0"/>
+          </a:p>
+          <a:p>
+            <a:r>
+              <a:rPr kumimoji="1" lang="zh-CN" altLang="en-US" dirty="0" smtClean="0"/>
+              <a:t>解释型</a:t>
+            </a:r>
+            <a:endParaRPr kumimoji="1" lang="en-US" altLang="zh-CN" dirty="0" smtClean="0"/>
+          </a:p>
+          <a:p>
+            <a:r>
+              <a:rPr kumimoji="1" lang="zh-CN" altLang="en-US" dirty="0" smtClean="0"/>
+              <a:t>弱类型</a:t>
+            </a:r>
+            <a:endParaRPr kumimoji="1" lang="en-US" altLang="zh-CN" dirty="0" smtClean="0"/>
+          </a:p>
+          <a:p>
+            <a:r>
+              <a:rPr kumimoji="1" lang="zh-CN" altLang="en-US" dirty="0" smtClean="0"/>
+              <a:t>运行在浏览器端</a:t>
+            </a:r>
+            <a:endParaRPr kumimoji="1" lang="en-US" altLang="zh-CN" dirty="0" smtClean="0"/>
+          </a:p>
+          <a:p>
+            <a:r>
+              <a:rPr kumimoji="1" lang="en-US" altLang="zh-CN" dirty="0" smtClean="0"/>
+              <a:t>.</a:t>
+            </a:r>
+            <a:r>
+              <a:rPr kumimoji="1" lang="en-US" altLang="zh-CN" dirty="0" err="1" smtClean="0"/>
+              <a:t>js</a:t>
+            </a:r>
+            <a:r>
+              <a:rPr kumimoji="1" lang="zh-CN" altLang="en-US" dirty="0" smtClean="0"/>
+              <a:t> 或嵌在</a:t>
+            </a:r>
+            <a:r>
+              <a:rPr kumimoji="1" lang="en-US" altLang="zh-CN" dirty="0" smtClean="0"/>
+              <a:t>html</a:t>
+            </a:r>
+            <a:r>
+              <a:rPr kumimoji="1" lang="zh-CN" altLang="en-US" dirty="0" smtClean="0"/>
+              <a:t>里</a:t>
+            </a:r>
+            <a:endParaRPr kumimoji="1" lang="en-US" altLang="zh-CN" dirty="0" smtClean="0"/>
+          </a:p>
+          <a:p>
+            <a:r>
+              <a:rPr kumimoji="1" lang="en-US" altLang="zh-CN" dirty="0" smtClean="0"/>
+              <a:t>Sublime</a:t>
+            </a:r>
+            <a:r>
+              <a:rPr kumimoji="1" lang="zh-CN" altLang="en-US" dirty="0" smtClean="0"/>
+              <a:t> </a:t>
+            </a:r>
+            <a:r>
+              <a:rPr kumimoji="1" lang="en-US" altLang="zh-CN" dirty="0" smtClean="0"/>
+              <a:t>+</a:t>
+            </a:r>
+            <a:r>
+              <a:rPr kumimoji="1" lang="zh-CN" altLang="en-US" dirty="0" smtClean="0"/>
+              <a:t> </a:t>
+            </a:r>
+            <a:r>
+              <a:rPr kumimoji="1" lang="en-US" altLang="zh-CN" dirty="0" smtClean="0"/>
+              <a:t>Chrome</a:t>
+            </a:r>
+            <a:r>
+              <a:rPr kumimoji="1" lang="zh-CN" altLang="en-US" dirty="0" smtClean="0"/>
+              <a:t>调试</a:t>
+            </a:r>
+            <a:endParaRPr kumimoji="1" lang="en-US" altLang="zh-CN" dirty="0" smtClean="0"/>
+          </a:p>
+          <a:p>
+            <a:r>
+              <a:rPr kumimoji="1" lang="en-US" altLang="zh-CN" dirty="0" smtClean="0"/>
+              <a:t>AJAX</a:t>
+            </a:r>
+          </a:p>
+          <a:p>
+            <a:r>
+              <a:rPr kumimoji="1" lang="en-US" altLang="zh-CN" dirty="0" err="1" smtClean="0"/>
+              <a:t>jQuery</a:t>
+            </a:r>
+            <a:r>
+              <a:rPr kumimoji="1" lang="zh-CN" altLang="en-US" dirty="0" smtClean="0"/>
+              <a:t>、</a:t>
+            </a:r>
+            <a:r>
+              <a:rPr kumimoji="1" lang="en-US" altLang="zh-CN" dirty="0" err="1" smtClean="0"/>
+              <a:t>EasyUI</a:t>
+            </a:r>
+            <a:endParaRPr kumimoji="1" lang="zh-CN" altLang="en-US" dirty="0"/>
+          </a:p>
+        </p:txBody>
+      </p:sp>
+    </p:spTree>
+    <p:extLst>
+      <p:ext uri="{BB962C8B-B14F-4D97-AF65-F5344CB8AC3E}">
+        <p14:creationId xmlns:p14="http://schemas.microsoft.com/office/powerpoint/2010/main" val="4243686895"/>
+      </p:ext>
+    </p:extLst>
+  </p:cSld>
+  <p:clrMapOvr>
+    <a:masterClrMapping/>
+  </p:clrMapOvr>
+  <p:timing>
+    <p:tnLst>
+      <p:par>
+        <p:cTn xmlns:p14="http://schemas.microsoft.com/office/powerpoint/2010/main" id="1" dur="indefinite" restart="never" nodeType="tmRoot"/>
+      </p:par>
+    </p:tnLst>
+  </p:timing>
+</p:sld>
+</file>
+
+<file path=ppt/slides/slide3.xml><?xml version="1.0" encoding="utf-8"?>
+<p:sld xmlns:a="http://schemas.openxmlformats.org/drawingml/2006/main" xmlns:r="http://schemas.openxmlformats.org/officeDocument/2006/relationships" xmlns:p="http://schemas.openxmlformats.org/presentationml/2006/main">
+  <p:cSld>
+    <p:spTree>
+      <p:nvGrpSpPr>
+        <p:cNvPr id="1" name=""/>
+        <p:cNvGrpSpPr/>
+        <p:nvPr/>
+      </p:nvGrpSpPr>
+      <p:grpSpPr>
+        <a:xfrm>
+          <a:off x="0" y="0"/>
+          <a:ext cx="0" cy="0"/>
+          <a:chOff x="0" y="0"/>
+          <a:chExt cx="0" cy="0"/>
+        </a:xfrm>
+      </p:grpSpPr>
+      <p:sp>
+        <p:nvSpPr>
+          <p:cNvPr id="4" name="标题 3"/>
+          <p:cNvSpPr>
+            <a:spLocks noGrp="1"/>
+          </p:cNvSpPr>
+          <p:nvPr>
+            <p:ph type="title"/>
+          </p:nvPr>
+        </p:nvSpPr>
+        <p:spPr>
+          <a:xfrm>
+            <a:off x="457200" y="274638"/>
+            <a:ext cx="8229600" cy="664695"/>
+          </a:xfrm>
+        </p:spPr>
+        <p:txBody>
+          <a:bodyPr>
+            <a:normAutofit fontScale="90000"/>
+          </a:bodyPr>
+          <a:lstStyle/>
+          <a:p>
+            <a:r>
+              <a:rPr kumimoji="1" lang="zh-CN" altLang="en-US" dirty="0" smtClean="0"/>
+              <a:t>变量申明、赋值、运算</a:t>
+            </a:r>
+            <a:endParaRPr kumimoji="1" lang="zh-CN" altLang="en-US" dirty="0"/>
+          </a:p>
+        </p:txBody>
+      </p:sp>
+      <p:sp>
+        <p:nvSpPr>
+          <p:cNvPr id="5" name="内容占位符 4"/>
+          <p:cNvSpPr>
+            <a:spLocks noGrp="1"/>
+          </p:cNvSpPr>
+          <p:nvPr>
+            <p:ph sz="half" idx="1"/>
+          </p:nvPr>
+        </p:nvSpPr>
+        <p:spPr>
+          <a:xfrm>
+            <a:off x="260946" y="1130680"/>
+            <a:ext cx="4234854" cy="5583812"/>
+          </a:xfrm>
+        </p:spPr>
+        <p:txBody>
+          <a:bodyPr/>
+          <a:lstStyle/>
+          <a:p>
+            <a:r>
+              <a:rPr kumimoji="1" lang="en-US" altLang="zh-CN" dirty="0" smtClean="0"/>
+              <a:t>String name = “JAVA”</a:t>
+            </a:r>
+            <a:r>
+              <a:rPr kumimoji="1" lang="zh-CN" altLang="en-US" dirty="0" smtClean="0"/>
+              <a:t>；</a:t>
+            </a:r>
+            <a:endParaRPr kumimoji="1" lang="en-US" altLang="zh-CN" dirty="0" smtClean="0"/>
+          </a:p>
+          <a:p>
+            <a:r>
+              <a:rPr kumimoji="1" lang="en-US" altLang="zh-CN" dirty="0" smtClean="0"/>
+              <a:t>Double</a:t>
+            </a:r>
+            <a:r>
+              <a:rPr kumimoji="1" lang="zh-CN" altLang="en-US" dirty="0" smtClean="0"/>
+              <a:t> </a:t>
+            </a:r>
+            <a:r>
+              <a:rPr kumimoji="1" lang="en-US" altLang="zh-CN" dirty="0" smtClean="0"/>
+              <a:t>price</a:t>
+            </a:r>
+            <a:r>
+              <a:rPr kumimoji="1" lang="zh-CN" altLang="en-US" dirty="0" smtClean="0"/>
+              <a:t> </a:t>
+            </a:r>
+            <a:r>
+              <a:rPr kumimoji="1" lang="en-US" altLang="zh-CN" dirty="0" smtClean="0"/>
+              <a:t>=</a:t>
+            </a:r>
+            <a:r>
+              <a:rPr kumimoji="1" lang="zh-CN" altLang="en-US" dirty="0" smtClean="0"/>
+              <a:t> </a:t>
+            </a:r>
+            <a:r>
+              <a:rPr kumimoji="1" lang="zh-CN" altLang="zh-CN" dirty="0" smtClean="0"/>
+              <a:t>3</a:t>
+            </a:r>
+            <a:r>
+              <a:rPr kumimoji="1" lang="en-US" altLang="zh-CN" dirty="0" smtClean="0"/>
+              <a:t>.26d;</a:t>
+            </a:r>
+          </a:p>
+          <a:p>
+            <a:r>
+              <a:rPr kumimoji="1" lang="en-US" altLang="zh-CN" dirty="0" smtClean="0"/>
+              <a:t>Book</a:t>
+            </a:r>
+            <a:r>
+              <a:rPr kumimoji="1" lang="zh-CN" altLang="en-US" dirty="0" smtClean="0"/>
+              <a:t> </a:t>
+            </a:r>
+            <a:r>
+              <a:rPr kumimoji="1" lang="en-US" altLang="zh-CN" dirty="0" smtClean="0"/>
+              <a:t>b</a:t>
+            </a:r>
+            <a:r>
+              <a:rPr kumimoji="1" lang="zh-CN" altLang="en-US" dirty="0" smtClean="0"/>
+              <a:t> </a:t>
+            </a:r>
+            <a:r>
+              <a:rPr kumimoji="1" lang="en-US" altLang="zh-CN" dirty="0" smtClean="0"/>
+              <a:t>=</a:t>
+            </a:r>
+            <a:r>
+              <a:rPr kumimoji="1" lang="zh-CN" altLang="en-US" dirty="0" smtClean="0"/>
+              <a:t> </a:t>
+            </a:r>
+            <a:r>
+              <a:rPr kumimoji="1" lang="en-US" altLang="zh-CN" dirty="0" smtClean="0"/>
+              <a:t>new</a:t>
+            </a:r>
+            <a:r>
+              <a:rPr kumimoji="1" lang="zh-CN" altLang="en-US" dirty="0" smtClean="0"/>
+              <a:t> </a:t>
+            </a:r>
+            <a:r>
+              <a:rPr kumimoji="1" lang="en-US" altLang="zh-CN" dirty="0" smtClean="0"/>
+              <a:t>Book();</a:t>
+            </a:r>
+          </a:p>
+          <a:p>
+            <a:r>
+              <a:rPr kumimoji="1" lang="zh-CN" altLang="zh-CN" dirty="0" smtClean="0"/>
+              <a:t>+</a:t>
+            </a:r>
+            <a:r>
+              <a:rPr kumimoji="1" lang="zh-CN" altLang="en-US" dirty="0" smtClean="0"/>
+              <a:t> </a:t>
+            </a:r>
+            <a:r>
+              <a:rPr kumimoji="1" lang="en-US" altLang="zh-CN" dirty="0" smtClean="0"/>
+              <a:t>-</a:t>
+            </a:r>
+            <a:r>
+              <a:rPr kumimoji="1" lang="zh-CN" altLang="en-US" dirty="0" smtClean="0"/>
+              <a:t>  </a:t>
+            </a:r>
+            <a:r>
+              <a:rPr kumimoji="1" lang="zh-CN" altLang="zh-CN" dirty="0" smtClean="0"/>
+              <a:t>*</a:t>
+            </a:r>
+            <a:r>
+              <a:rPr kumimoji="1" lang="zh-CN" altLang="en-US" dirty="0" smtClean="0"/>
+              <a:t> </a:t>
+            </a:r>
+            <a:r>
+              <a:rPr kumimoji="1" lang="en-US" altLang="zh-CN" dirty="0" smtClean="0"/>
+              <a:t>/</a:t>
+            </a:r>
+            <a:r>
+              <a:rPr kumimoji="1" lang="zh-CN" altLang="en-US" dirty="0" smtClean="0"/>
+              <a:t> </a:t>
+            </a:r>
+            <a:r>
+              <a:rPr kumimoji="1" lang="en-US" altLang="zh-CN" dirty="0" smtClean="0"/>
+              <a:t>++</a:t>
+            </a:r>
+            <a:r>
+              <a:rPr kumimoji="1" lang="zh-CN" altLang="en-US" dirty="0" smtClean="0"/>
+              <a:t> </a:t>
+            </a:r>
+            <a:r>
+              <a:rPr kumimoji="1" lang="en-US" altLang="zh-CN" dirty="0" smtClean="0"/>
+              <a:t>--</a:t>
+            </a:r>
+            <a:r>
+              <a:rPr kumimoji="1" lang="zh-CN" altLang="en-US" dirty="0" smtClean="0"/>
+              <a:t> </a:t>
+            </a:r>
+            <a:r>
+              <a:rPr kumimoji="1" lang="en-US" altLang="zh-CN" dirty="0" smtClean="0"/>
+              <a:t>+=</a:t>
+            </a:r>
+          </a:p>
+          <a:p>
+            <a:r>
+              <a:rPr kumimoji="1" lang="zh-CN" altLang="zh-CN" dirty="0" smtClean="0"/>
+              <a:t>=</a:t>
+            </a:r>
+            <a:r>
+              <a:rPr kumimoji="1" lang="zh-CN" altLang="en-US" dirty="0" smtClean="0"/>
+              <a:t> </a:t>
+            </a:r>
+            <a:r>
+              <a:rPr kumimoji="1" lang="en-US" altLang="zh-CN" dirty="0" smtClean="0"/>
+              <a:t>&gt;</a:t>
+            </a:r>
+            <a:r>
+              <a:rPr kumimoji="1" lang="zh-CN" altLang="en-US" dirty="0" smtClean="0"/>
+              <a:t> </a:t>
+            </a:r>
+            <a:r>
+              <a:rPr kumimoji="1" lang="en-US" altLang="zh-CN" dirty="0" smtClean="0"/>
+              <a:t>&lt;</a:t>
+            </a:r>
+            <a:r>
+              <a:rPr kumimoji="1" lang="zh-CN" altLang="en-US" dirty="0" smtClean="0"/>
+              <a:t> </a:t>
+            </a:r>
+            <a:r>
+              <a:rPr kumimoji="1" lang="en-US" altLang="zh-CN" dirty="0" smtClean="0"/>
+              <a:t>&gt;=</a:t>
+            </a:r>
+            <a:r>
+              <a:rPr kumimoji="1" lang="zh-CN" altLang="en-US" dirty="0" smtClean="0"/>
+              <a:t> </a:t>
+            </a:r>
+            <a:r>
+              <a:rPr kumimoji="1" lang="en-US" altLang="zh-CN" dirty="0" smtClean="0"/>
+              <a:t>&lt;=</a:t>
+            </a:r>
+            <a:r>
+              <a:rPr kumimoji="1" lang="zh-CN" altLang="en-US" dirty="0" smtClean="0"/>
+              <a:t> </a:t>
+            </a:r>
+            <a:r>
+              <a:rPr kumimoji="1" lang="en-US" altLang="zh-CN" dirty="0" smtClean="0"/>
+              <a:t>!=</a:t>
+            </a:r>
+          </a:p>
+          <a:p>
+            <a:r>
+              <a:rPr kumimoji="1" lang="zh-CN" altLang="en-US" dirty="0" smtClean="0"/>
+              <a:t>与</a:t>
+            </a:r>
+            <a:r>
+              <a:rPr kumimoji="1" lang="en-US" altLang="zh-CN" dirty="0" smtClean="0"/>
+              <a:t>&amp;&amp;</a:t>
+            </a:r>
+            <a:r>
+              <a:rPr kumimoji="1" lang="zh-CN" altLang="en-US" dirty="0" smtClean="0"/>
+              <a:t> 或</a:t>
+            </a:r>
+            <a:r>
+              <a:rPr kumimoji="1" lang="en-US" altLang="zh-CN" dirty="0" smtClean="0"/>
+              <a:t>||</a:t>
+            </a:r>
+            <a:r>
+              <a:rPr kumimoji="1" lang="zh-CN" altLang="en-US" dirty="0" smtClean="0"/>
+              <a:t> 非！</a:t>
+            </a:r>
+            <a:endParaRPr kumimoji="1" lang="en-US" altLang="zh-CN" dirty="0" smtClean="0"/>
+          </a:p>
+          <a:p>
+            <a:r>
+              <a:rPr kumimoji="1" lang="en-US" altLang="zh-CN" dirty="0" err="1"/>
+              <a:t>b</a:t>
+            </a:r>
+            <a:r>
+              <a:rPr kumimoji="1" lang="en-US" altLang="zh-CN" dirty="0" err="1" smtClean="0"/>
+              <a:t>oolean_exp</a:t>
+            </a:r>
+            <a:r>
+              <a:rPr kumimoji="1" lang="zh-CN" altLang="en-US" dirty="0" smtClean="0"/>
+              <a:t> </a:t>
+            </a:r>
+            <a:r>
+              <a:rPr kumimoji="1" lang="en-US" altLang="zh-CN" dirty="0" smtClean="0"/>
+              <a:t>?</a:t>
+            </a:r>
+            <a:r>
+              <a:rPr kumimoji="1" lang="zh-CN" altLang="en-US" dirty="0" smtClean="0"/>
+              <a:t> </a:t>
+            </a:r>
+            <a:r>
+              <a:rPr kumimoji="1" lang="en-US" altLang="zh-CN" dirty="0" smtClean="0"/>
+              <a:t>v1</a:t>
+            </a:r>
+            <a:r>
+              <a:rPr kumimoji="1" lang="zh-CN" altLang="en-US" dirty="0" smtClean="0"/>
+              <a:t> </a:t>
+            </a:r>
+            <a:r>
+              <a:rPr kumimoji="1" lang="en-US" altLang="zh-CN" dirty="0" smtClean="0"/>
+              <a:t>:</a:t>
+            </a:r>
+            <a:r>
+              <a:rPr kumimoji="1" lang="zh-CN" altLang="en-US" dirty="0" smtClean="0"/>
+              <a:t> </a:t>
+            </a:r>
+            <a:r>
+              <a:rPr kumimoji="1" lang="en-US" altLang="zh-CN" dirty="0" smtClean="0"/>
+              <a:t>v2</a:t>
+            </a:r>
+          </a:p>
+          <a:p>
+            <a:r>
+              <a:rPr kumimoji="1" lang="zh-CN" altLang="en-US" dirty="0" smtClean="0"/>
+              <a:t>类型转换</a:t>
+            </a:r>
+            <a:r>
+              <a:rPr kumimoji="1" lang="zh-CN" altLang="zh-CN" dirty="0"/>
+              <a:t> </a:t>
+            </a:r>
+            <a:r>
+              <a:rPr kumimoji="1" lang="en-US" altLang="zh-CN" dirty="0" smtClean="0"/>
+              <a:t>(</a:t>
+            </a:r>
+            <a:r>
+              <a:rPr kumimoji="1" lang="en-US" altLang="zh-CN" dirty="0" err="1" smtClean="0"/>
+              <a:t>int</a:t>
+            </a:r>
+            <a:r>
+              <a:rPr kumimoji="1" lang="en-US" altLang="zh-CN" dirty="0" smtClean="0"/>
+              <a:t>)x</a:t>
+            </a:r>
+          </a:p>
+          <a:p>
+            <a:r>
+              <a:rPr kumimoji="1" lang="en-US" altLang="zh-CN" dirty="0" err="1" smtClean="0"/>
+              <a:t>Integer|String.valueOf</a:t>
+            </a:r>
+            <a:r>
+              <a:rPr kumimoji="1" lang="en-US" altLang="zh-CN" dirty="0" smtClean="0"/>
+              <a:t>()</a:t>
+            </a:r>
+            <a:endParaRPr kumimoji="1" lang="zh-CN" altLang="en-US" dirty="0"/>
+          </a:p>
+        </p:txBody>
+      </p:sp>
+      <p:sp>
+        <p:nvSpPr>
+          <p:cNvPr id="6" name="内容占位符 5"/>
+          <p:cNvSpPr>
+            <a:spLocks noGrp="1"/>
+          </p:cNvSpPr>
+          <p:nvPr>
+            <p:ph sz="half" idx="2"/>
+          </p:nvPr>
+        </p:nvSpPr>
+        <p:spPr>
+          <a:xfrm>
+            <a:off x="4648199" y="1130680"/>
+            <a:ext cx="4223981" cy="5583811"/>
+          </a:xfrm>
+        </p:spPr>
+        <p:txBody>
+          <a:bodyPr/>
+          <a:lstStyle/>
+          <a:p>
+            <a:r>
+              <a:rPr kumimoji="1" lang="en-US" altLang="zh-CN" dirty="0" err="1" smtClean="0"/>
+              <a:t>var</a:t>
+            </a:r>
+            <a:r>
+              <a:rPr kumimoji="1" lang="zh-CN" altLang="en-US" dirty="0" smtClean="0"/>
+              <a:t> </a:t>
+            </a:r>
+            <a:r>
+              <a:rPr kumimoji="1" lang="en-US" altLang="zh-CN" dirty="0" smtClean="0"/>
+              <a:t>name</a:t>
+            </a:r>
+            <a:r>
+              <a:rPr kumimoji="1" lang="zh-CN" altLang="en-US" dirty="0" smtClean="0"/>
+              <a:t> </a:t>
+            </a:r>
+            <a:r>
+              <a:rPr kumimoji="1" lang="en-US" altLang="zh-CN" dirty="0" smtClean="0"/>
+              <a:t>=</a:t>
+            </a:r>
+            <a:r>
+              <a:rPr kumimoji="1" lang="zh-CN" altLang="en-US" dirty="0" smtClean="0"/>
+              <a:t> </a:t>
+            </a:r>
+            <a:r>
+              <a:rPr kumimoji="1" lang="en-US" altLang="zh-CN" dirty="0" smtClean="0"/>
+              <a:t>“JS”;</a:t>
+            </a:r>
+            <a:r>
+              <a:rPr kumimoji="1" lang="zh-CN" altLang="en-US" dirty="0" smtClean="0"/>
+              <a:t>  </a:t>
+            </a:r>
+            <a:r>
+              <a:rPr kumimoji="1" lang="en-US" altLang="zh-CN" dirty="0" smtClean="0"/>
+              <a:t>or</a:t>
+            </a:r>
+            <a:r>
+              <a:rPr kumimoji="1" lang="zh-CN" altLang="en-US" dirty="0" smtClean="0"/>
+              <a:t> </a:t>
+            </a:r>
+            <a:r>
+              <a:rPr kumimoji="1" lang="en-US" altLang="zh-CN" dirty="0" smtClean="0"/>
+              <a:t>‘JS’</a:t>
+            </a:r>
+          </a:p>
+          <a:p>
+            <a:r>
+              <a:rPr kumimoji="1" lang="en-US" altLang="zh-CN" dirty="0" err="1" smtClean="0"/>
+              <a:t>var</a:t>
+            </a:r>
+            <a:r>
+              <a:rPr kumimoji="1" lang="zh-CN" altLang="en-US" dirty="0" smtClean="0"/>
+              <a:t> </a:t>
+            </a:r>
+            <a:r>
+              <a:rPr kumimoji="1" lang="en-US" altLang="zh-CN" dirty="0" smtClean="0"/>
+              <a:t>price</a:t>
+            </a:r>
+            <a:r>
+              <a:rPr kumimoji="1" lang="zh-CN" altLang="en-US" dirty="0" smtClean="0"/>
+              <a:t> </a:t>
+            </a:r>
+            <a:r>
+              <a:rPr kumimoji="1" lang="en-US" altLang="zh-CN" dirty="0" smtClean="0"/>
+              <a:t>=</a:t>
+            </a:r>
+            <a:r>
+              <a:rPr kumimoji="1" lang="zh-CN" altLang="en-US" dirty="0" smtClean="0"/>
+              <a:t> </a:t>
+            </a:r>
+            <a:r>
+              <a:rPr kumimoji="1" lang="zh-CN" altLang="zh-CN" dirty="0" smtClean="0"/>
+              <a:t>3</a:t>
+            </a:r>
+            <a:r>
+              <a:rPr kumimoji="1" lang="en-US" altLang="zh-CN" dirty="0" smtClean="0"/>
+              <a:t>.26;</a:t>
+            </a:r>
+          </a:p>
+          <a:p>
+            <a:r>
+              <a:rPr kumimoji="1" lang="en-US" altLang="zh-CN" dirty="0" err="1" smtClean="0"/>
+              <a:t>var</a:t>
+            </a:r>
+            <a:r>
+              <a:rPr kumimoji="1" lang="zh-CN" altLang="en-US" dirty="0" smtClean="0"/>
+              <a:t> </a:t>
+            </a:r>
+            <a:r>
+              <a:rPr kumimoji="1" lang="en-US" altLang="zh-CN" dirty="0" smtClean="0"/>
+              <a:t>book</a:t>
+            </a:r>
+            <a:r>
+              <a:rPr kumimoji="1" lang="zh-CN" altLang="en-US" dirty="0" smtClean="0"/>
+              <a:t> </a:t>
+            </a:r>
+            <a:r>
+              <a:rPr kumimoji="1" lang="en-US" altLang="zh-CN" dirty="0" smtClean="0"/>
+              <a:t>=</a:t>
+            </a:r>
+            <a:r>
+              <a:rPr kumimoji="1" lang="zh-CN" altLang="en-US" dirty="0" smtClean="0"/>
+              <a:t> </a:t>
+            </a:r>
+            <a:r>
+              <a:rPr kumimoji="1" lang="en-US" altLang="zh-CN" dirty="0" smtClean="0"/>
+              <a:t>new</a:t>
+            </a:r>
+            <a:r>
+              <a:rPr kumimoji="1" lang="zh-CN" altLang="en-US" dirty="0" smtClean="0"/>
+              <a:t> </a:t>
+            </a:r>
+            <a:r>
+              <a:rPr kumimoji="1" lang="en-US" altLang="zh-CN" dirty="0" smtClean="0"/>
+              <a:t>Book();</a:t>
+            </a:r>
+          </a:p>
+          <a:p>
+            <a:r>
+              <a:rPr kumimoji="1" lang="zh-CN" altLang="zh-CN" dirty="0"/>
+              <a:t>+</a:t>
+            </a:r>
+            <a:r>
+              <a:rPr kumimoji="1" lang="zh-CN" altLang="en-US" dirty="0"/>
+              <a:t> </a:t>
+            </a:r>
+            <a:r>
+              <a:rPr kumimoji="1" lang="en-US" altLang="zh-CN" dirty="0"/>
+              <a:t>-</a:t>
+            </a:r>
+            <a:r>
+              <a:rPr kumimoji="1" lang="zh-CN" altLang="en-US" dirty="0"/>
+              <a:t>  </a:t>
+            </a:r>
+            <a:r>
+              <a:rPr kumimoji="1" lang="zh-CN" altLang="zh-CN" dirty="0"/>
+              <a:t>*</a:t>
+            </a:r>
+            <a:r>
+              <a:rPr kumimoji="1" lang="zh-CN" altLang="en-US" dirty="0"/>
+              <a:t> </a:t>
+            </a:r>
+            <a:r>
+              <a:rPr kumimoji="1" lang="en-US" altLang="zh-CN" dirty="0"/>
+              <a:t>/</a:t>
+            </a:r>
+            <a:r>
+              <a:rPr kumimoji="1" lang="zh-CN" altLang="en-US" dirty="0"/>
+              <a:t> </a:t>
+            </a:r>
+            <a:r>
+              <a:rPr kumimoji="1" lang="en-US" altLang="zh-CN" dirty="0"/>
+              <a:t>++</a:t>
+            </a:r>
+            <a:r>
+              <a:rPr kumimoji="1" lang="zh-CN" altLang="en-US" dirty="0"/>
+              <a:t> </a:t>
+            </a:r>
+            <a:r>
+              <a:rPr kumimoji="1" lang="en-US" altLang="zh-CN" dirty="0"/>
+              <a:t>-</a:t>
+            </a:r>
+            <a:r>
+              <a:rPr kumimoji="1" lang="en-US" altLang="zh-CN" dirty="0" smtClean="0"/>
+              <a:t>-</a:t>
+            </a:r>
+          </a:p>
+          <a:p>
+            <a:r>
+              <a:rPr kumimoji="1" lang="zh-CN" altLang="zh-CN" dirty="0" smtClean="0"/>
+              <a:t>=</a:t>
+            </a:r>
+            <a:r>
+              <a:rPr kumimoji="1" lang="zh-CN" altLang="en-US" dirty="0" smtClean="0"/>
+              <a:t> </a:t>
+            </a:r>
+            <a:r>
+              <a:rPr kumimoji="1" lang="en-US" altLang="zh-CN" dirty="0"/>
+              <a:t>&gt;</a:t>
+            </a:r>
+            <a:r>
+              <a:rPr kumimoji="1" lang="zh-CN" altLang="en-US" dirty="0"/>
+              <a:t> </a:t>
+            </a:r>
+            <a:r>
+              <a:rPr kumimoji="1" lang="en-US" altLang="zh-CN" dirty="0"/>
+              <a:t>&lt;</a:t>
+            </a:r>
+            <a:r>
+              <a:rPr kumimoji="1" lang="zh-CN" altLang="en-US" dirty="0"/>
+              <a:t> </a:t>
+            </a:r>
+            <a:r>
+              <a:rPr kumimoji="1" lang="en-US" altLang="zh-CN" dirty="0"/>
+              <a:t>&gt;=</a:t>
+            </a:r>
+            <a:r>
+              <a:rPr kumimoji="1" lang="zh-CN" altLang="en-US" dirty="0"/>
+              <a:t> </a:t>
+            </a:r>
+            <a:r>
+              <a:rPr kumimoji="1" lang="en-US" altLang="zh-CN" dirty="0"/>
+              <a:t>&lt;=</a:t>
+            </a:r>
+            <a:r>
+              <a:rPr kumimoji="1" lang="zh-CN" altLang="en-US" dirty="0"/>
+              <a:t> </a:t>
+            </a:r>
+            <a:r>
+              <a:rPr kumimoji="1" lang="en-US" altLang="zh-CN" dirty="0"/>
+              <a:t>!</a:t>
+            </a:r>
+            <a:r>
+              <a:rPr kumimoji="1" lang="en-US" altLang="zh-CN" dirty="0" smtClean="0"/>
+              <a:t>=</a:t>
+            </a:r>
+          </a:p>
+          <a:p>
+            <a:r>
+              <a:rPr kumimoji="1" lang="zh-CN" altLang="en-US" dirty="0"/>
+              <a:t>与</a:t>
+            </a:r>
+            <a:r>
+              <a:rPr kumimoji="1" lang="en-US" altLang="zh-CN" dirty="0"/>
+              <a:t>&amp;&amp;</a:t>
+            </a:r>
+            <a:r>
+              <a:rPr kumimoji="1" lang="zh-CN" altLang="en-US" dirty="0"/>
+              <a:t> 或</a:t>
+            </a:r>
+            <a:r>
+              <a:rPr kumimoji="1" lang="en-US" altLang="zh-CN" dirty="0"/>
+              <a:t>||</a:t>
+            </a:r>
+            <a:r>
+              <a:rPr kumimoji="1" lang="zh-CN" altLang="en-US" dirty="0"/>
+              <a:t> 非</a:t>
+            </a:r>
+            <a:r>
+              <a:rPr kumimoji="1" lang="zh-CN" altLang="en-US" dirty="0" smtClean="0"/>
+              <a:t>！</a:t>
+            </a:r>
+            <a:endParaRPr kumimoji="1" lang="en-US" altLang="zh-CN" dirty="0" smtClean="0"/>
+          </a:p>
+          <a:p>
+            <a:r>
+              <a:rPr kumimoji="1" lang="en-US" altLang="zh-CN" dirty="0" err="1" smtClean="0"/>
+              <a:t>boolean_exp</a:t>
+            </a:r>
+            <a:r>
+              <a:rPr kumimoji="1" lang="zh-CN" altLang="en-US" dirty="0" smtClean="0"/>
+              <a:t> </a:t>
+            </a:r>
+            <a:r>
+              <a:rPr kumimoji="1" lang="en-US" altLang="zh-CN" dirty="0" smtClean="0"/>
+              <a:t>?</a:t>
+            </a:r>
+            <a:r>
+              <a:rPr kumimoji="1" lang="zh-CN" altLang="en-US" dirty="0" smtClean="0"/>
+              <a:t> </a:t>
+            </a:r>
+            <a:r>
+              <a:rPr kumimoji="1" lang="en-US" altLang="zh-CN" dirty="0" smtClean="0"/>
+              <a:t>v1</a:t>
+            </a:r>
+            <a:r>
+              <a:rPr kumimoji="1" lang="zh-CN" altLang="en-US" dirty="0" smtClean="0"/>
+              <a:t> </a:t>
+            </a:r>
+            <a:r>
+              <a:rPr kumimoji="1" lang="en-US" altLang="zh-CN" dirty="0" smtClean="0"/>
+              <a:t>:</a:t>
+            </a:r>
+            <a:r>
+              <a:rPr kumimoji="1" lang="zh-CN" altLang="en-US" dirty="0" smtClean="0"/>
+              <a:t> </a:t>
+            </a:r>
+            <a:r>
+              <a:rPr kumimoji="1" lang="en-US" altLang="zh-CN" dirty="0" smtClean="0"/>
+              <a:t>v2</a:t>
+            </a:r>
+          </a:p>
+          <a:p>
+            <a:r>
+              <a:rPr kumimoji="1" lang="en-US" altLang="zh-CN" dirty="0" err="1" smtClean="0"/>
+              <a:t>parseInt</a:t>
+            </a:r>
+            <a:r>
+              <a:rPr kumimoji="1" lang="en-US" altLang="zh-CN" dirty="0" smtClean="0"/>
+              <a:t>(x)</a:t>
+            </a:r>
+            <a:r>
+              <a:rPr kumimoji="1" lang="zh-CN" altLang="en-US" dirty="0" smtClean="0"/>
+              <a:t>、</a:t>
+            </a:r>
+            <a:r>
+              <a:rPr kumimoji="1" lang="en-US" altLang="zh-CN" dirty="0" smtClean="0"/>
+              <a:t>x+’’</a:t>
+            </a:r>
+            <a:endParaRPr kumimoji="1" lang="en-US" altLang="zh-CN" dirty="0" smtClean="0"/>
+          </a:p>
+        </p:txBody>
+      </p:sp>
+    </p:spTree>
+    <p:extLst>
+      <p:ext uri="{BB962C8B-B14F-4D97-AF65-F5344CB8AC3E}">
+        <p14:creationId xmlns:p14="http://schemas.microsoft.com/office/powerpoint/2010/main" val="2670515053"/>
+      </p:ext>
+    </p:extLst>
+  </p:cSld>
+  <p:clrMapOvr>
+    <a:masterClrMapping/>
+  </p:clrMapOvr>
+  <p:timing>
+    <p:tnLst>
+      <p:par>
+        <p:cTn xmlns:p14="http://schemas.microsoft.com/office/powerpoint/2010/main" id="1" dur="indefinite" restart="never" nodeType="tmRoot"/>
+      </p:par>
+    </p:tnLst>
+  </p:timing>
+</p:sld>
+</file>
+
+<file path=ppt/slides/slide4.xml><?xml version="1.0" encoding="utf-8"?>
+<p:sld xmlns:a="http://schemas.openxmlformats.org/drawingml/2006/main" xmlns:r="http://schemas.openxmlformats.org/officeDocument/2006/relationships" xmlns:p="http://schemas.openxmlformats.org/presentationml/2006/main">
+  <p:cSld>
+    <p:spTree>
+      <p:nvGrpSpPr>
+        <p:cNvPr id="1" name=""/>
+        <p:cNvGrpSpPr/>
+        <p:nvPr/>
+      </p:nvGrpSpPr>
+      <p:grpSpPr>
+        <a:xfrm>
+          <a:off x="0" y="0"/>
+          <a:ext cx="0" cy="0"/>
+          <a:chOff x="0" y="0"/>
+          <a:chExt cx="0" cy="0"/>
+        </a:xfrm>
+      </p:grpSpPr>
+      <p:sp>
+        <p:nvSpPr>
+          <p:cNvPr id="4" name="标题 3"/>
+          <p:cNvSpPr>
+            <a:spLocks noGrp="1"/>
+          </p:cNvSpPr>
+          <p:nvPr>
+            <p:ph type="title"/>
+          </p:nvPr>
+        </p:nvSpPr>
+        <p:spPr>
+          <a:xfrm>
+            <a:off x="457200" y="274638"/>
+            <a:ext cx="8229600" cy="664695"/>
+          </a:xfrm>
+        </p:spPr>
+        <p:txBody>
+          <a:bodyPr>
+            <a:normAutofit fontScale="90000"/>
+          </a:bodyPr>
+          <a:lstStyle/>
+          <a:p>
+            <a:r>
+              <a:rPr kumimoji="1" lang="zh-CN" altLang="en-US" dirty="0" smtClean="0"/>
+              <a:t>控制执行流程</a:t>
+            </a:r>
+            <a:endParaRPr kumimoji="1" lang="zh-CN" altLang="en-US" dirty="0"/>
+          </a:p>
+        </p:txBody>
+      </p:sp>
+      <p:sp>
+        <p:nvSpPr>
+          <p:cNvPr id="5" name="内容占位符 4"/>
+          <p:cNvSpPr>
+            <a:spLocks noGrp="1"/>
+          </p:cNvSpPr>
+          <p:nvPr>
+            <p:ph sz="half" idx="1"/>
+          </p:nvPr>
+        </p:nvSpPr>
+        <p:spPr>
+          <a:xfrm>
+            <a:off x="260946" y="1130680"/>
+            <a:ext cx="4234854" cy="5583812"/>
+          </a:xfrm>
+        </p:spPr>
+        <p:txBody>
+          <a:bodyPr/>
+          <a:lstStyle/>
+          <a:p>
+            <a:r>
+              <a:rPr kumimoji="1" lang="en-US" altLang="zh-CN" dirty="0" smtClean="0"/>
+              <a:t>If-else</a:t>
+            </a:r>
+          </a:p>
+          <a:p>
+            <a:r>
+              <a:rPr kumimoji="1" lang="en-US" altLang="zh-CN" dirty="0" smtClean="0"/>
+              <a:t>while</a:t>
+            </a:r>
+            <a:r>
+              <a:rPr kumimoji="1" lang="zh-CN" altLang="en-US" dirty="0" smtClean="0"/>
+              <a:t> </a:t>
+            </a:r>
+            <a:endParaRPr kumimoji="1" lang="en-US" altLang="zh-CN" dirty="0" smtClean="0"/>
+          </a:p>
+          <a:p>
+            <a:r>
+              <a:rPr kumimoji="1" lang="en-US" altLang="zh-CN" dirty="0" smtClean="0"/>
+              <a:t>do-while</a:t>
+            </a:r>
+          </a:p>
+          <a:p>
+            <a:r>
+              <a:rPr kumimoji="1" lang="en-US" altLang="zh-CN" dirty="0" smtClean="0"/>
+              <a:t>for</a:t>
+            </a:r>
+            <a:r>
+              <a:rPr kumimoji="1" lang="zh-CN" altLang="en-US" dirty="0" smtClean="0"/>
+              <a:t> </a:t>
+            </a:r>
+            <a:endParaRPr kumimoji="1" lang="en-US" altLang="zh-CN" dirty="0" smtClean="0"/>
+          </a:p>
+          <a:p>
+            <a:r>
+              <a:rPr kumimoji="1" lang="en-US" altLang="zh-CN" dirty="0" smtClean="0"/>
+              <a:t>return</a:t>
+            </a:r>
+            <a:r>
+              <a:rPr kumimoji="1" lang="zh-CN" altLang="en-US" dirty="0" smtClean="0"/>
+              <a:t> </a:t>
+            </a:r>
+            <a:endParaRPr kumimoji="1" lang="en-US" altLang="zh-CN" dirty="0" smtClean="0"/>
+          </a:p>
+          <a:p>
+            <a:r>
+              <a:rPr kumimoji="1" lang="en-US" altLang="zh-CN" dirty="0" smtClean="0"/>
+              <a:t>break</a:t>
+            </a:r>
+            <a:r>
+              <a:rPr kumimoji="1" lang="zh-CN" altLang="en-US" dirty="0" smtClean="0"/>
+              <a:t> </a:t>
+            </a:r>
+            <a:endParaRPr kumimoji="1" lang="en-US" altLang="zh-CN" dirty="0" smtClean="0"/>
+          </a:p>
+          <a:p>
+            <a:r>
+              <a:rPr kumimoji="1" lang="en-US" altLang="zh-CN" dirty="0" smtClean="0"/>
+              <a:t>continue</a:t>
+            </a:r>
+            <a:r>
+              <a:rPr kumimoji="1" lang="zh-CN" altLang="en-US" dirty="0"/>
+              <a:t> </a:t>
+            </a:r>
+            <a:endParaRPr kumimoji="1" lang="en-US" altLang="zh-CN" dirty="0" smtClean="0"/>
+          </a:p>
+          <a:p>
+            <a:r>
+              <a:rPr kumimoji="1" lang="en-US" altLang="zh-CN" dirty="0"/>
+              <a:t>s</a:t>
+            </a:r>
+            <a:r>
+              <a:rPr kumimoji="1" lang="en-US" altLang="zh-CN" dirty="0" smtClean="0"/>
+              <a:t>witch</a:t>
+            </a:r>
+            <a:r>
+              <a:rPr kumimoji="1" lang="zh-CN" altLang="en-US" dirty="0" smtClean="0"/>
+              <a:t> </a:t>
+            </a:r>
+            <a:r>
+              <a:rPr kumimoji="1" lang="en-US" altLang="zh-CN" dirty="0" smtClean="0"/>
+              <a:t>case</a:t>
+            </a:r>
+            <a:r>
+              <a:rPr kumimoji="1" lang="zh-CN" altLang="en-US" dirty="0" smtClean="0"/>
+              <a:t> </a:t>
+            </a:r>
+            <a:r>
+              <a:rPr kumimoji="1" lang="en-US" altLang="zh-CN" dirty="0" smtClean="0"/>
+              <a:t>when</a:t>
+            </a:r>
+          </a:p>
+        </p:txBody>
+      </p:sp>
+      <p:sp>
+        <p:nvSpPr>
+          <p:cNvPr id="6" name="内容占位符 5"/>
+          <p:cNvSpPr>
+            <a:spLocks noGrp="1"/>
+          </p:cNvSpPr>
+          <p:nvPr>
+            <p:ph sz="half" idx="2"/>
+          </p:nvPr>
+        </p:nvSpPr>
+        <p:spPr>
+          <a:xfrm>
+            <a:off x="4648199" y="1130680"/>
+            <a:ext cx="4223981" cy="5583811"/>
+          </a:xfrm>
+        </p:spPr>
+        <p:txBody>
+          <a:bodyPr/>
+          <a:lstStyle/>
+          <a:p>
+            <a:endParaRPr kumimoji="1" lang="zh-CN" altLang="en-US" dirty="0"/>
+          </a:p>
+        </p:txBody>
+      </p:sp>
+    </p:spTree>
+    <p:extLst>
+      <p:ext uri="{BB962C8B-B14F-4D97-AF65-F5344CB8AC3E}">
+        <p14:creationId xmlns:p14="http://schemas.microsoft.com/office/powerpoint/2010/main" val="4243686895"/>
+      </p:ext>
+    </p:extLst>
+  </p:cSld>
+  <p:clrMapOvr>
+    <a:masterClrMapping/>
+  </p:clrMapOvr>
+  <p:timing>
+    <p:tnLst>
+      <p:par>
+        <p:cTn xmlns:p14="http://schemas.microsoft.com/office/powerpoint/2010/main" id="1" dur="indefinite" restart="never" nodeType="tmRoot"/>
+      </p:par>
+    </p:tnLst>
+  </p:timing>
+</p:sld>
+</file>
+
+<file path=ppt/slides/slide5.xml><?xml version="1.0" encoding="utf-8"?>
+<p:sld xmlns:a="http://schemas.openxmlformats.org/drawingml/2006/main" xmlns:r="http://schemas.openxmlformats.org/officeDocument/2006/relationships" xmlns:p="http://schemas.openxmlformats.org/presentationml/2006/main">
+  <p:cSld>
+    <p:spTree>
+      <p:nvGrpSpPr>
+        <p:cNvPr id="1" name=""/>
+        <p:cNvGrpSpPr/>
+        <p:nvPr/>
+      </p:nvGrpSpPr>
+      <p:grpSpPr>
+        <a:xfrm>
+          <a:off x="0" y="0"/>
+          <a:ext cx="0" cy="0"/>
+          <a:chOff x="0" y="0"/>
+          <a:chExt cx="0" cy="0"/>
+        </a:xfrm>
+      </p:grpSpPr>
+      <p:sp>
+        <p:nvSpPr>
+          <p:cNvPr id="4" name="标题 3"/>
+          <p:cNvSpPr>
+            <a:spLocks noGrp="1"/>
+          </p:cNvSpPr>
+          <p:nvPr>
+            <p:ph type="title"/>
+          </p:nvPr>
+        </p:nvSpPr>
+        <p:spPr>
+          <a:xfrm>
+            <a:off x="457200" y="274638"/>
+            <a:ext cx="8229600" cy="664695"/>
+          </a:xfrm>
+        </p:spPr>
+        <p:txBody>
+          <a:bodyPr>
+            <a:normAutofit fontScale="90000"/>
+          </a:bodyPr>
+          <a:lstStyle/>
+          <a:p>
+            <a:r>
+              <a:rPr kumimoji="1" lang="zh-CN" altLang="en-US" dirty="0" smtClean="0"/>
+              <a:t>类、方法、属性</a:t>
+            </a:r>
+            <a:endParaRPr kumimoji="1" lang="zh-CN" altLang="en-US" dirty="0"/>
+          </a:p>
+        </p:txBody>
+      </p:sp>
+      <p:sp>
+        <p:nvSpPr>
+          <p:cNvPr id="5" name="内容占位符 4"/>
+          <p:cNvSpPr>
+            <a:spLocks noGrp="1"/>
+          </p:cNvSpPr>
+          <p:nvPr>
+            <p:ph sz="half" idx="1"/>
+          </p:nvPr>
+        </p:nvSpPr>
+        <p:spPr>
+          <a:xfrm>
+            <a:off x="260946" y="1130680"/>
+            <a:ext cx="4234854" cy="5583812"/>
+          </a:xfrm>
+        </p:spPr>
+        <p:txBody>
+          <a:bodyPr/>
+          <a:lstStyle/>
+          <a:p>
+            <a:r>
+              <a:rPr kumimoji="1" lang="zh-CN" altLang="en-US" dirty="0" smtClean="0"/>
+              <a:t>定义一个类</a:t>
+            </a:r>
+            <a:endParaRPr kumimoji="1" lang="en-US" altLang="zh-CN" dirty="0" smtClean="0"/>
+          </a:p>
+          <a:p>
+            <a:pPr lvl="1"/>
+            <a:r>
+              <a:rPr kumimoji="1" lang="en-US" altLang="zh-CN" dirty="0"/>
+              <a:t>p</a:t>
+            </a:r>
+            <a:r>
+              <a:rPr kumimoji="1" lang="en-US" altLang="zh-CN" dirty="0" smtClean="0"/>
+              <a:t>ublic</a:t>
+            </a:r>
+            <a:r>
+              <a:rPr kumimoji="1" lang="zh-CN" altLang="en-US" dirty="0" smtClean="0"/>
+              <a:t> </a:t>
+            </a:r>
+            <a:r>
+              <a:rPr kumimoji="1" lang="en-US" altLang="zh-CN" dirty="0" smtClean="0"/>
+              <a:t>class</a:t>
+            </a:r>
+            <a:r>
+              <a:rPr kumimoji="1" lang="zh-CN" altLang="en-US" dirty="0" smtClean="0"/>
+              <a:t> </a:t>
+            </a:r>
+            <a:r>
+              <a:rPr kumimoji="1" lang="en-US" altLang="zh-CN" dirty="0" smtClean="0"/>
+              <a:t>Book()</a:t>
+            </a:r>
+            <a:r>
+              <a:rPr kumimoji="1" lang="zh-CN" altLang="en-US" dirty="0" smtClean="0"/>
+              <a:t> </a:t>
+            </a:r>
+            <a:r>
+              <a:rPr kumimoji="1" lang="en-US" altLang="zh-CN" dirty="0" smtClean="0"/>
+              <a:t>{</a:t>
+            </a:r>
+            <a:r>
+              <a:rPr kumimoji="1" lang="zh-CN" altLang="en-US" dirty="0" smtClean="0"/>
+              <a:t>     </a:t>
+            </a:r>
+            <a:r>
+              <a:rPr kumimoji="1" lang="en-US" altLang="zh-CN" dirty="0" smtClean="0"/>
+              <a:t>}</a:t>
+            </a:r>
+            <a:endParaRPr kumimoji="1" lang="en-US" altLang="en-US" dirty="0" smtClean="0"/>
+          </a:p>
+          <a:p>
+            <a:r>
+              <a:rPr kumimoji="1" lang="zh-CN" altLang="en-US" dirty="0" smtClean="0"/>
+              <a:t>定义一个方法</a:t>
+            </a:r>
+            <a:endParaRPr kumimoji="1" lang="en-US" altLang="zh-CN" dirty="0" smtClean="0"/>
+          </a:p>
+          <a:p>
+            <a:r>
+              <a:rPr kumimoji="1" lang="zh-CN" altLang="en-US" dirty="0" smtClean="0"/>
+              <a:t>定义一个变量</a:t>
+            </a:r>
+            <a:endParaRPr kumimoji="1" lang="en-US" altLang="zh-CN" dirty="0" smtClean="0"/>
+          </a:p>
+          <a:p>
+            <a:r>
+              <a:rPr kumimoji="1" lang="zh-CN" altLang="en-US" dirty="0" smtClean="0"/>
+              <a:t>初始化一个对象</a:t>
+            </a:r>
+            <a:endParaRPr kumimoji="1" lang="en-US" altLang="en-US" dirty="0" smtClean="0"/>
+          </a:p>
+          <a:p>
+            <a:r>
+              <a:rPr kumimoji="1" lang="en-US" altLang="en-US" dirty="0" smtClean="0"/>
+              <a:t>public protected</a:t>
+            </a:r>
+            <a:r>
+              <a:rPr kumimoji="1" lang="zh-CN" altLang="en-US" dirty="0" smtClean="0"/>
+              <a:t> </a:t>
+            </a:r>
+            <a:r>
+              <a:rPr kumimoji="1" lang="en-US" altLang="zh-CN" dirty="0" smtClean="0"/>
+              <a:t>p</a:t>
+            </a:r>
+            <a:r>
+              <a:rPr kumimoji="1" lang="en-US" altLang="en-US" dirty="0" smtClean="0"/>
+              <a:t>rivate </a:t>
+            </a:r>
+            <a:endParaRPr kumimoji="1" lang="en-US" altLang="en-US" dirty="0" smtClean="0"/>
+          </a:p>
+          <a:p>
+            <a:r>
+              <a:rPr kumimoji="1" lang="en-US" altLang="en-US" dirty="0" smtClean="0"/>
+              <a:t>static</a:t>
+            </a:r>
+            <a:r>
+              <a:rPr kumimoji="1" lang="zh-CN" altLang="en-US" dirty="0" smtClean="0"/>
+              <a:t> </a:t>
+            </a:r>
+            <a:r>
+              <a:rPr kumimoji="1" lang="en-US" altLang="zh-CN" dirty="0" smtClean="0"/>
+              <a:t>final</a:t>
+            </a:r>
+            <a:r>
+              <a:rPr kumimoji="1" lang="zh-CN" altLang="en-US" dirty="0" smtClean="0"/>
+              <a:t> </a:t>
+            </a:r>
+            <a:r>
+              <a:rPr kumimoji="1" lang="en-US" altLang="en-US" dirty="0" smtClean="0"/>
+              <a:t> </a:t>
+            </a:r>
+          </a:p>
+          <a:p>
+            <a:r>
+              <a:rPr kumimoji="1" lang="zh-CN" altLang="en-US" dirty="0" smtClean="0"/>
+              <a:t>返回类型 </a:t>
+            </a:r>
+            <a:r>
+              <a:rPr kumimoji="1" lang="en-US" altLang="zh-CN" dirty="0" smtClean="0"/>
+              <a:t>void</a:t>
+            </a:r>
+            <a:r>
+              <a:rPr kumimoji="1" lang="zh-CN" altLang="en-US" dirty="0" smtClean="0"/>
+              <a:t>|</a:t>
+            </a:r>
+            <a:r>
+              <a:rPr kumimoji="1" lang="en-US" altLang="zh-CN" dirty="0" smtClean="0"/>
+              <a:t>Object</a:t>
+            </a:r>
+            <a:endParaRPr kumimoji="1" lang="zh-CN" altLang="en-US" dirty="0"/>
+          </a:p>
+        </p:txBody>
+      </p:sp>
+      <p:sp>
+        <p:nvSpPr>
+          <p:cNvPr id="6" name="内容占位符 5"/>
+          <p:cNvSpPr>
+            <a:spLocks noGrp="1"/>
+          </p:cNvSpPr>
+          <p:nvPr>
+            <p:ph sz="half" idx="2"/>
+          </p:nvPr>
+        </p:nvSpPr>
+        <p:spPr>
+          <a:xfrm>
+            <a:off x="4648199" y="1130680"/>
+            <a:ext cx="4223981" cy="5583811"/>
+          </a:xfrm>
+        </p:spPr>
+        <p:txBody>
+          <a:bodyPr/>
+          <a:lstStyle/>
+          <a:p>
+            <a:r>
+              <a:rPr kumimoji="1" lang="zh-CN" altLang="en-US" dirty="0" smtClean="0"/>
+              <a:t>仅支持</a:t>
+            </a:r>
+            <a:r>
+              <a:rPr kumimoji="1" lang="en-US" altLang="zh-CN" dirty="0" smtClean="0"/>
+              <a:t>public</a:t>
+            </a:r>
+            <a:endParaRPr kumimoji="1" lang="zh-CN" altLang="en-US" dirty="0"/>
+          </a:p>
+        </p:txBody>
+      </p:sp>
+    </p:spTree>
+    <p:extLst>
+      <p:ext uri="{BB962C8B-B14F-4D97-AF65-F5344CB8AC3E}">
+        <p14:creationId xmlns:p14="http://schemas.microsoft.com/office/powerpoint/2010/main" val="4243686895"/>
+      </p:ext>
+    </p:extLst>
+  </p:cSld>
+  <p:clrMapOvr>
+    <a:masterClrMapping/>
+  </p:clrMapOvr>
+</p:sld>
+</file>
+
+<file path=ppt/slides/slide6.xml><?xml version="1.0" encoding="utf-8"?>
+<p:sld xmlns:a="http://schemas.openxmlformats.org/drawingml/2006/main" xmlns:r="http://schemas.openxmlformats.org/officeDocument/2006/relationships" xmlns:p="http://schemas.openxmlformats.org/presentationml/2006/main">
+  <p:cSld>
+    <p:spTree>
+      <p:nvGrpSpPr>
+        <p:cNvPr id="1" name=""/>
+        <p:cNvGrpSpPr/>
+        <p:nvPr/>
+      </p:nvGrpSpPr>
+      <p:grpSpPr>
+        <a:xfrm>
+          <a:off x="0" y="0"/>
+          <a:ext cx="0" cy="0"/>
+          <a:chOff x="0" y="0"/>
+          <a:chExt cx="0" cy="0"/>
+        </a:xfrm>
+      </p:grpSpPr>
+      <p:sp>
+        <p:nvSpPr>
+          <p:cNvPr id="4" name="标题 3"/>
+          <p:cNvSpPr>
+            <a:spLocks noGrp="1"/>
+          </p:cNvSpPr>
+          <p:nvPr>
+            <p:ph type="title"/>
+          </p:nvPr>
+        </p:nvSpPr>
+        <p:spPr>
+          <a:xfrm>
+            <a:off x="457200" y="274638"/>
+            <a:ext cx="8229600" cy="664695"/>
+          </a:xfrm>
+        </p:spPr>
+        <p:txBody>
+          <a:bodyPr>
+            <a:normAutofit fontScale="90000"/>
+          </a:bodyPr>
+          <a:lstStyle/>
+          <a:p>
+            <a:r>
+              <a:rPr kumimoji="1" lang="zh-CN" altLang="en-US" dirty="0" smtClean="0"/>
+              <a:t>面向对象</a:t>
+            </a:r>
+            <a:endParaRPr kumimoji="1" lang="zh-CN" altLang="en-US" dirty="0"/>
+          </a:p>
+        </p:txBody>
+      </p:sp>
+      <p:sp>
+        <p:nvSpPr>
+          <p:cNvPr id="5" name="内容占位符 4"/>
+          <p:cNvSpPr>
+            <a:spLocks noGrp="1"/>
+          </p:cNvSpPr>
+          <p:nvPr>
+            <p:ph sz="half" idx="1"/>
+          </p:nvPr>
+        </p:nvSpPr>
+        <p:spPr>
+          <a:xfrm>
+            <a:off x="260946" y="1130680"/>
+            <a:ext cx="4234854" cy="5583812"/>
+          </a:xfrm>
+        </p:spPr>
+        <p:txBody>
+          <a:bodyPr>
+            <a:normAutofit fontScale="70000" lnSpcReduction="20000"/>
+          </a:bodyPr>
+          <a:lstStyle/>
+          <a:p>
+            <a:r>
+              <a:rPr kumimoji="1" lang="zh-CN" altLang="en-US" dirty="0" smtClean="0"/>
+              <a:t>静态类型</a:t>
+            </a:r>
+            <a:endParaRPr kumimoji="1" lang="zh-CN" altLang="en-US" dirty="0"/>
+          </a:p>
+          <a:p>
+            <a:r>
+              <a:rPr kumimoji="1" lang="zh-CN" altLang="en-US" dirty="0"/>
+              <a:t>自定义类型可以是类，</a:t>
+            </a:r>
+            <a:r>
+              <a:rPr kumimoji="1" lang="zh-CN" altLang="en-US" dirty="0" smtClean="0"/>
+              <a:t>接口或枚举定义</a:t>
+            </a:r>
+            <a:endParaRPr kumimoji="1" lang="en-US" altLang="zh-CN" dirty="0" smtClean="0"/>
+          </a:p>
+          <a:p>
+            <a:r>
+              <a:rPr kumimoji="1" lang="zh-CN" altLang="en-US" dirty="0" smtClean="0"/>
+              <a:t>类型不可在运行时改变</a:t>
+            </a:r>
+            <a:endParaRPr kumimoji="1" lang="zh-CN" altLang="en-US" dirty="0"/>
+          </a:p>
+          <a:p>
+            <a:r>
+              <a:rPr kumimoji="1" lang="zh-CN" altLang="en-US" dirty="0"/>
+              <a:t>定义变量需要声明具体类型（强类型）	</a:t>
+            </a:r>
+          </a:p>
+          <a:p>
+            <a:r>
+              <a:rPr kumimoji="1" lang="zh-CN" altLang="en-US" dirty="0"/>
+              <a:t>构造器是具体的方法	</a:t>
+            </a:r>
+            <a:endParaRPr kumimoji="1" lang="en-US" altLang="zh-CN" dirty="0" smtClean="0"/>
+          </a:p>
+          <a:p>
+            <a:r>
+              <a:rPr kumimoji="1" lang="zh-CN" altLang="en-US" dirty="0" smtClean="0"/>
+              <a:t>类和实例</a:t>
+            </a:r>
+            <a:r>
+              <a:rPr kumimoji="1" lang="zh-CN" altLang="en-US" dirty="0"/>
+              <a:t>是</a:t>
+            </a:r>
+            <a:r>
+              <a:rPr kumimoji="1" lang="zh-CN" altLang="en-US" dirty="0" smtClean="0"/>
+              <a:t>不同的实体</a:t>
+            </a:r>
+            <a:r>
+              <a:rPr kumimoji="1" lang="zh-CN" altLang="en-US" dirty="0" smtClean="0"/>
+              <a:t>，</a:t>
+            </a:r>
+            <a:r>
+              <a:rPr kumimoji="1" lang="zh-CN" altLang="en-US" dirty="0" smtClean="0"/>
+              <a:t>一切均为对象</a:t>
+            </a:r>
+            <a:endParaRPr kumimoji="1" lang="zh-CN" altLang="en-US" dirty="0"/>
+          </a:p>
+          <a:p>
+            <a:r>
+              <a:rPr kumimoji="1" lang="zh-CN" altLang="en-US" dirty="0" smtClean="0"/>
+              <a:t>支持静态和实例成</a:t>
+            </a:r>
+            <a:r>
+              <a:rPr kumimoji="1" lang="zh-CN" altLang="en-US" dirty="0" smtClean="0"/>
+              <a:t>员</a:t>
+            </a:r>
+            <a:endParaRPr kumimoji="1" lang="zh-CN" altLang="en-US" dirty="0"/>
+          </a:p>
+          <a:p>
+            <a:r>
+              <a:rPr kumimoji="1" lang="zh-CN" altLang="en-US" dirty="0" smtClean="0"/>
+              <a:t>由抽象类和接口支持抽象类型</a:t>
+            </a:r>
+            <a:endParaRPr kumimoji="1" lang="zh-CN" altLang="en-US" dirty="0"/>
+          </a:p>
+          <a:p>
+            <a:r>
+              <a:rPr kumimoji="1" lang="zh-CN" altLang="en-US" dirty="0"/>
+              <a:t>良好的成员作用域支持</a:t>
+            </a:r>
+            <a:r>
+              <a:rPr kumimoji="1" lang="en-US" altLang="zh-CN" dirty="0"/>
+              <a:t>(private, package, </a:t>
+            </a:r>
+            <a:r>
+              <a:rPr kumimoji="1" lang="en-US" altLang="zh-CN" dirty="0" err="1"/>
+              <a:t>protected,public</a:t>
+            </a:r>
+            <a:r>
+              <a:rPr kumimoji="1" lang="en-US" altLang="zh-CN" dirty="0" smtClean="0"/>
+              <a:t>)</a:t>
+            </a:r>
+            <a:endParaRPr kumimoji="1" lang="zh-CN" altLang="en-US" dirty="0"/>
+          </a:p>
+          <a:p>
+            <a:r>
+              <a:rPr kumimoji="1" lang="zh-CN" altLang="en-US" dirty="0"/>
+              <a:t>丰富的继承</a:t>
+            </a:r>
+            <a:r>
+              <a:rPr kumimoji="1" lang="zh-CN" altLang="en-US" dirty="0" smtClean="0"/>
+              <a:t>机制</a:t>
+            </a:r>
+            <a:endParaRPr kumimoji="1" lang="zh-CN" altLang="en-US" dirty="0"/>
+          </a:p>
+          <a:p>
+            <a:r>
+              <a:rPr kumimoji="1" lang="zh-CN" altLang="en-US" dirty="0"/>
+              <a:t>支持方法重载和方法</a:t>
+            </a:r>
+            <a:r>
+              <a:rPr kumimoji="1" lang="zh-CN" altLang="en-US" dirty="0" smtClean="0"/>
+              <a:t>重写</a:t>
+            </a:r>
+            <a:endParaRPr kumimoji="1" lang="zh-CN" altLang="en-US" dirty="0"/>
+          </a:p>
+          <a:p>
+            <a:r>
+              <a:rPr kumimoji="1" lang="zh-CN" altLang="en-US" dirty="0" smtClean="0"/>
+              <a:t>有</a:t>
+            </a:r>
+            <a:r>
+              <a:rPr kumimoji="1" lang="zh-CN" altLang="en-US" dirty="0"/>
+              <a:t>反射特性</a:t>
+            </a:r>
+          </a:p>
+          <a:p>
+            <a:r>
+              <a:rPr kumimoji="1" lang="zh-CN" altLang="en-US" dirty="0"/>
+              <a:t>由</a:t>
+            </a:r>
+            <a:r>
+              <a:rPr kumimoji="1" lang="zh-CN" altLang="en-US" dirty="0" smtClean="0"/>
+              <a:t>包来支持模块化</a:t>
+            </a:r>
+            <a:endParaRPr kumimoji="1" lang="zh-CN" altLang="en-US" dirty="0"/>
+          </a:p>
+        </p:txBody>
+      </p:sp>
+      <p:sp>
+        <p:nvSpPr>
+          <p:cNvPr id="6" name="内容占位符 5"/>
+          <p:cNvSpPr>
+            <a:spLocks noGrp="1"/>
+          </p:cNvSpPr>
+          <p:nvPr>
+            <p:ph sz="half" idx="2"/>
+          </p:nvPr>
+        </p:nvSpPr>
+        <p:spPr>
+          <a:xfrm>
+            <a:off x="4648199" y="1130680"/>
+            <a:ext cx="4223981" cy="5583811"/>
+          </a:xfrm>
+        </p:spPr>
+        <p:txBody>
+          <a:bodyPr>
+            <a:normAutofit fontScale="70000" lnSpcReduction="20000"/>
+          </a:bodyPr>
+          <a:lstStyle/>
+          <a:p>
+            <a:r>
+              <a:rPr kumimoji="1" lang="zh-CN" altLang="en-US" dirty="0" smtClean="0"/>
+              <a:t>动态类型</a:t>
+            </a:r>
+            <a:endParaRPr kumimoji="1" lang="zh-CN" altLang="en-US" dirty="0"/>
+          </a:p>
+          <a:p>
+            <a:r>
+              <a:rPr kumimoji="1" lang="zh-CN" altLang="en-US" dirty="0" smtClean="0"/>
+              <a:t>自定义类型由函数或原型定义</a:t>
+            </a:r>
+            <a:endParaRPr kumimoji="1" lang="zh-CN" altLang="en-US" dirty="0"/>
+          </a:p>
+          <a:p>
+            <a:r>
+              <a:rPr kumimoji="1" lang="zh-CN" altLang="en-US" dirty="0" smtClean="0"/>
+              <a:t>类型</a:t>
+            </a:r>
+            <a:r>
+              <a:rPr kumimoji="1" lang="zh-CN" altLang="en-US" dirty="0"/>
+              <a:t>可在运行时改变</a:t>
+            </a:r>
+          </a:p>
+          <a:p>
+            <a:r>
+              <a:rPr kumimoji="1" lang="zh-CN" altLang="en-US" dirty="0" smtClean="0"/>
+              <a:t>定义变量</a:t>
+            </a:r>
+            <a:r>
+              <a:rPr kumimoji="1" lang="zh-CN" altLang="en-US" dirty="0"/>
+              <a:t>不需要声明具体类型（弱类型）</a:t>
+            </a:r>
+          </a:p>
+          <a:p>
+            <a:r>
+              <a:rPr kumimoji="1" lang="zh-CN" altLang="en-US" dirty="0" smtClean="0"/>
+              <a:t>构造器只是一个</a:t>
+            </a:r>
+            <a:r>
+              <a:rPr kumimoji="1" lang="zh-CN" altLang="en-US" dirty="0"/>
+              <a:t>函数</a:t>
+            </a:r>
+            <a:r>
+              <a:rPr kumimoji="1" lang="zh-CN" altLang="en-US" dirty="0" smtClean="0"/>
+              <a:t>，与函数之间无区别</a:t>
+            </a:r>
+            <a:endParaRPr kumimoji="1" lang="zh-CN" altLang="en-US" dirty="0"/>
+          </a:p>
+          <a:p>
+            <a:r>
+              <a:rPr kumimoji="1" lang="zh-CN" altLang="en-US" dirty="0" smtClean="0"/>
+              <a:t>构造器函数和原型也是对</a:t>
+            </a:r>
+            <a:r>
+              <a:rPr kumimoji="1" lang="zh-CN" altLang="en-US" dirty="0"/>
+              <a:t>象</a:t>
+            </a:r>
+          </a:p>
+          <a:p>
+            <a:r>
+              <a:rPr kumimoji="1" lang="zh-CN" altLang="en-US" dirty="0" smtClean="0"/>
+              <a:t>不直接支持静态和实例成员</a:t>
+            </a:r>
+            <a:endParaRPr kumimoji="1" lang="zh-CN" altLang="en-US" dirty="0"/>
+          </a:p>
+          <a:p>
+            <a:r>
+              <a:rPr kumimoji="1" lang="zh-CN" altLang="en-US" dirty="0" smtClean="0"/>
+              <a:t>不直接支持抽象类型</a:t>
+            </a:r>
+            <a:endParaRPr kumimoji="1" lang="zh-CN" altLang="en-US" dirty="0"/>
+          </a:p>
+          <a:p>
+            <a:r>
+              <a:rPr kumimoji="1" lang="zh-CN" altLang="en-US" dirty="0" smtClean="0"/>
+              <a:t>仅</a:t>
+            </a:r>
+            <a:r>
+              <a:rPr kumimoji="1" lang="zh-CN" altLang="en-US" dirty="0"/>
+              <a:t>支持</a:t>
+            </a:r>
+            <a:r>
+              <a:rPr kumimoji="1" lang="en-US" altLang="zh-CN" dirty="0"/>
+              <a:t>public</a:t>
+            </a:r>
+            <a:r>
+              <a:rPr kumimoji="1" lang="zh-CN" altLang="en-US" dirty="0"/>
+              <a:t>的成员</a:t>
+            </a:r>
+          </a:p>
+          <a:p>
+            <a:r>
+              <a:rPr kumimoji="1" lang="zh-CN" altLang="en-US" dirty="0" smtClean="0"/>
+              <a:t>仅通过原型继承</a:t>
+            </a:r>
+            <a:r>
+              <a:rPr kumimoji="1" lang="zh-CN" altLang="en-US" dirty="0"/>
+              <a:t>机制</a:t>
+            </a:r>
+          </a:p>
+          <a:p>
+            <a:r>
+              <a:rPr kumimoji="1" lang="zh-CN" altLang="en-US" dirty="0" smtClean="0"/>
+              <a:t>不直接</a:t>
+            </a:r>
+            <a:r>
+              <a:rPr kumimoji="1" lang="zh-CN" altLang="en-US" dirty="0"/>
+              <a:t>支持方法重载和方法重写</a:t>
+            </a:r>
+          </a:p>
+          <a:p>
+            <a:r>
+              <a:rPr kumimoji="1" lang="zh-CN" altLang="en-US" dirty="0" smtClean="0"/>
+              <a:t>有</a:t>
+            </a:r>
+            <a:r>
+              <a:rPr kumimoji="1" lang="zh-CN" altLang="en-US" dirty="0"/>
+              <a:t>反射特性</a:t>
+            </a:r>
+          </a:p>
+          <a:p>
+            <a:r>
+              <a:rPr kumimoji="1" lang="zh-CN" altLang="en-US" dirty="0" smtClean="0"/>
+              <a:t>无</a:t>
+            </a:r>
+            <a:r>
+              <a:rPr kumimoji="1" lang="zh-CN" altLang="en-US" dirty="0"/>
+              <a:t>直接的包或模块化支持</a:t>
+            </a:r>
+          </a:p>
+        </p:txBody>
+      </p:sp>
+    </p:spTree>
+    <p:extLst>
+      <p:ext uri="{BB962C8B-B14F-4D97-AF65-F5344CB8AC3E}">
+        <p14:creationId xmlns:p14="http://schemas.microsoft.com/office/powerpoint/2010/main" val="4243686895"/>
+      </p:ext>
+    </p:extLst>
+  </p:cSld>
+  <p:clrMapOvr>
+    <a:masterClrMapping/>
+  </p:clrMapOvr>
+</p:sld>
+</file>
+
+<file path=ppt/slides/slide7.xml><?xml version="1.0" encoding="utf-8"?>
+<p:sld xmlns:a="http://schemas.openxmlformats.org/drawingml/2006/main" xmlns:r="http://schemas.openxmlformats.org/officeDocument/2006/relationships" xmlns:p="http://schemas.openxmlformats.org/presentationml/2006/main">
+  <p:cSld>
+    <p:spTree>
+      <p:nvGrpSpPr>
+        <p:cNvPr id="1" name=""/>
+        <p:cNvGrpSpPr/>
+        <p:nvPr/>
+      </p:nvGrpSpPr>
+      <p:grpSpPr>
+        <a:xfrm>
+          <a:off x="0" y="0"/>
+          <a:ext cx="0" cy="0"/>
+          <a:chOff x="0" y="0"/>
+          <a:chExt cx="0" cy="0"/>
+        </a:xfrm>
+      </p:grpSpPr>
+      <p:sp>
+        <p:nvSpPr>
+          <p:cNvPr id="4" name="标题 3"/>
+          <p:cNvSpPr>
+            <a:spLocks noGrp="1"/>
+          </p:cNvSpPr>
+          <p:nvPr>
+            <p:ph type="title"/>
+          </p:nvPr>
+        </p:nvSpPr>
+        <p:spPr>
+          <a:xfrm>
+            <a:off x="457200" y="274638"/>
+            <a:ext cx="8229600" cy="664695"/>
+          </a:xfrm>
+        </p:spPr>
+        <p:txBody>
+          <a:bodyPr>
+            <a:normAutofit fontScale="90000"/>
+          </a:bodyPr>
+          <a:lstStyle/>
+          <a:p>
+            <a:r>
+              <a:rPr kumimoji="1" lang="zh-CN" altLang="en-US" dirty="0" smtClean="0"/>
+              <a:t>变量、赋值、运算</a:t>
+            </a:r>
+            <a:endParaRPr kumimoji="1" lang="zh-CN" altLang="en-US" dirty="0"/>
+          </a:p>
+        </p:txBody>
+      </p:sp>
+      <p:sp>
+        <p:nvSpPr>
+          <p:cNvPr id="5" name="内容占位符 4"/>
+          <p:cNvSpPr>
+            <a:spLocks noGrp="1"/>
+          </p:cNvSpPr>
+          <p:nvPr>
+            <p:ph sz="half" idx="1"/>
+          </p:nvPr>
+        </p:nvSpPr>
+        <p:spPr>
+          <a:xfrm>
+            <a:off x="260946" y="1130680"/>
+            <a:ext cx="4234854" cy="5583812"/>
+          </a:xfrm>
+        </p:spPr>
+        <p:txBody>
+          <a:bodyPr/>
+          <a:lstStyle/>
+          <a:p>
+            <a:endParaRPr kumimoji="1" lang="zh-CN" altLang="en-US" dirty="0"/>
+          </a:p>
+        </p:txBody>
+      </p:sp>
+      <p:sp>
+        <p:nvSpPr>
+          <p:cNvPr id="6" name="内容占位符 5"/>
+          <p:cNvSpPr>
+            <a:spLocks noGrp="1"/>
+          </p:cNvSpPr>
+          <p:nvPr>
+            <p:ph sz="half" idx="2"/>
+          </p:nvPr>
+        </p:nvSpPr>
+        <p:spPr>
+          <a:xfrm>
+            <a:off x="4648199" y="1130680"/>
+            <a:ext cx="4223981" cy="5583811"/>
+          </a:xfrm>
+        </p:spPr>
+        <p:txBody>
+          <a:bodyPr/>
+          <a:lstStyle/>
+          <a:p>
+            <a:endParaRPr kumimoji="1" lang="zh-CN" altLang="en-US" dirty="0"/>
+          </a:p>
+        </p:txBody>
+      </p:sp>
+    </p:spTree>
+    <p:extLst>
+      <p:ext uri="{BB962C8B-B14F-4D97-AF65-F5344CB8AC3E}">
+        <p14:creationId xmlns:p14="http://schemas.microsoft.com/office/powerpoint/2010/main" val="4243686895"/>
+      </p:ext>
+    </p:extLst>
+  </p:cSld>
+  <p:clrMapOvr>
+    <a:masterClrMapping/>
+  </p:clrMapOvr>
+</p:sld>
+</file>
+
+<file path=ppt/slides/slide8.xml><?xml version="1.0" encoding="utf-8"?>
+<p:sld xmlns:a="http://schemas.openxmlformats.org/drawingml/2006/main" xmlns:r="http://schemas.openxmlformats.org/officeDocument/2006/relationships" xmlns:p="http://schemas.openxmlformats.org/presentationml/2006/main">
+  <p:cSld>
+    <p:spTree>
+      <p:nvGrpSpPr>
+        <p:cNvPr id="1" name=""/>
+        <p:cNvGrpSpPr/>
+        <p:nvPr/>
+      </p:nvGrpSpPr>
+      <p:grpSpPr>
+        <a:xfrm>
+          <a:off x="0" y="0"/>
+          <a:ext cx="0" cy="0"/>
+          <a:chOff x="0" y="0"/>
+          <a:chExt cx="0" cy="0"/>
+        </a:xfrm>
+      </p:grpSpPr>
+      <p:sp>
+        <p:nvSpPr>
+          <p:cNvPr id="4" name="标题 3"/>
+          <p:cNvSpPr>
+            <a:spLocks noGrp="1"/>
+          </p:cNvSpPr>
+          <p:nvPr>
+            <p:ph type="title"/>
+          </p:nvPr>
+        </p:nvSpPr>
+        <p:spPr>
+          <a:xfrm>
+            <a:off x="457200" y="274638"/>
+            <a:ext cx="8229600" cy="664695"/>
+          </a:xfrm>
+        </p:spPr>
+        <p:txBody>
+          <a:bodyPr>
+            <a:normAutofit fontScale="90000"/>
+          </a:bodyPr>
+          <a:lstStyle/>
+          <a:p>
+            <a:r>
+              <a:rPr kumimoji="1" lang="zh-CN" altLang="en-US" dirty="0" smtClean="0"/>
+              <a:t>变量、赋值、运算</a:t>
+            </a:r>
+            <a:endParaRPr kumimoji="1" lang="zh-CN" altLang="en-US" dirty="0"/>
+          </a:p>
+        </p:txBody>
+      </p:sp>
+      <p:sp>
+        <p:nvSpPr>
+          <p:cNvPr id="5" name="内容占位符 4"/>
+          <p:cNvSpPr>
+            <a:spLocks noGrp="1"/>
+          </p:cNvSpPr>
+          <p:nvPr>
+            <p:ph sz="half" idx="1"/>
+          </p:nvPr>
+        </p:nvSpPr>
+        <p:spPr>
+          <a:xfrm>
+            <a:off x="260946" y="1130680"/>
+            <a:ext cx="4234854" cy="5583812"/>
+          </a:xfrm>
+        </p:spPr>
+        <p:txBody>
+          <a:bodyPr/>
+          <a:lstStyle/>
+          <a:p>
+            <a:endParaRPr kumimoji="1" lang="zh-CN" altLang="en-US" dirty="0"/>
+          </a:p>
+        </p:txBody>
+      </p:sp>
+      <p:sp>
+        <p:nvSpPr>
+          <p:cNvPr id="6" name="内容占位符 5"/>
+          <p:cNvSpPr>
+            <a:spLocks noGrp="1"/>
+          </p:cNvSpPr>
+          <p:nvPr>
+            <p:ph sz="half" idx="2"/>
+          </p:nvPr>
+        </p:nvSpPr>
+        <p:spPr>
+          <a:xfrm>
+            <a:off x="4648199" y="1130680"/>
+            <a:ext cx="4223981" cy="5583811"/>
+          </a:xfrm>
+        </p:spPr>
+        <p:txBody>
+          <a:bodyPr/>
+          <a:lstStyle/>
+          <a:p>
+            <a:endParaRPr kumimoji="1" lang="zh-CN" altLang="en-US" dirty="0"/>
+          </a:p>
+        </p:txBody>
+      </p:sp>
+    </p:spTree>
+    <p:extLst>
+      <p:ext uri="{BB962C8B-B14F-4D97-AF65-F5344CB8AC3E}">
+        <p14:creationId xmlns:p14="http://schemas.microsoft.com/office/powerpoint/2010/main" val="4243686895"/>
+      </p:ext>
+    </p:extLst>
+  </p:cSld>
+  <p:clrMapOvr>
+    <a:masterClrMapping/>
+  </p:clrMapOvr>
 </p:sld>
 </file>
 
